--- a/Preview/Praca dyplomowa - HMI do kurtyny wodnej.pptx
+++ b/Preview/Praca dyplomowa - HMI do kurtyny wodnej.pptx
@@ -14,7 +14,7 @@
     <p:sldId id="262" r:id="rId9"/>
   </p:sldIdLst>
   <p:sldSz cx="9144000" cy="5143500"/>
-  <p:notesSz cx="6858000" cy="9144000"/>
+  <p:notesSz cx="7559675" cy="10691813"/>
 </p:presentation>
 </file>
 
@@ -49,7 +49,7 @@
         <p:txBody>
           <a:bodyPr/>
           <a:p>
-            <a:fld id="{53633313-3966-4664-AC0F-355C51734638}" type="slidenum">
+            <a:fld id="{4D4DA653-AB11-470A-9116-BFCF9985D174}" type="slidenum">
               <a:t>&lt;#&gt;</a:t>
             </a:fld>
           </a:p>
@@ -79,7 +79,7 @@
       </p:grpSpPr>
       <p:sp>
         <p:nvSpPr>
-          <p:cNvPr id="24" name="PlaceHolder 1"/>
+          <p:cNvPr id="26" name="PlaceHolder 1"/>
           <p:cNvSpPr>
             <a:spLocks noGrp="1"/>
           </p:cNvSpPr>
@@ -90,7 +90,7 @@
         <p:spPr>
           <a:xfrm>
             <a:off x="311760" y="744480"/>
-            <a:ext cx="8520120" cy="2052360"/>
+            <a:ext cx="8519760" cy="2052000"/>
           </a:xfrm>
           <a:prstGeom prst="rect">
             <a:avLst/>
@@ -105,21 +105,21 @@
             <a:noAutofit/>
           </a:bodyPr>
           <a:p>
-            <a:pPr indent="0">
+            <a:pPr indent="0" algn="ctr">
               <a:buNone/>
             </a:pPr>
-            <a:endParaRPr b="0" lang="pl-PL" sz="1400" spc="-1" strike="noStrike">
-              <a:solidFill>
-                <a:srgbClr val="000000"/>
-              </a:solidFill>
-              <a:latin typeface="Arial"/>
-            </a:endParaRPr>
-          </a:p>
-        </p:txBody>
-      </p:sp>
-      <p:sp>
-        <p:nvSpPr>
-          <p:cNvPr id="25" name="PlaceHolder 2"/>
+            <a:endParaRPr b="0" lang="pl-PL" sz="4400" spc="-1" strike="noStrike">
+              <a:solidFill>
+                <a:srgbClr val="000000"/>
+              </a:solidFill>
+              <a:latin typeface="Arial"/>
+            </a:endParaRPr>
+          </a:p>
+        </p:txBody>
+      </p:sp>
+      <p:sp>
+        <p:nvSpPr>
+          <p:cNvPr id="27" name="PlaceHolder 2"/>
           <p:cNvSpPr>
             <a:spLocks noGrp="1"/>
           </p:cNvSpPr>
@@ -151,18 +151,18 @@
               </a:spcBef>
               <a:buNone/>
             </a:pPr>
-            <a:endParaRPr b="0" lang="pl-PL" sz="1400" spc="-1" strike="noStrike">
-              <a:solidFill>
-                <a:srgbClr val="000000"/>
-              </a:solidFill>
-              <a:latin typeface="Arial"/>
-            </a:endParaRPr>
-          </a:p>
-        </p:txBody>
-      </p:sp>
-      <p:sp>
-        <p:nvSpPr>
-          <p:cNvPr id="26" name="PlaceHolder 3"/>
+            <a:endParaRPr b="0" lang="pl-PL" sz="3200" spc="-1" strike="noStrike">
+              <a:solidFill>
+                <a:srgbClr val="000000"/>
+              </a:solidFill>
+              <a:latin typeface="Arial"/>
+            </a:endParaRPr>
+          </a:p>
+        </p:txBody>
+      </p:sp>
+      <p:sp>
+        <p:nvSpPr>
+          <p:cNvPr id="28" name="PlaceHolder 3"/>
           <p:cNvSpPr>
             <a:spLocks noGrp="1"/>
           </p:cNvSpPr>
@@ -194,7 +194,7 @@
               </a:spcBef>
               <a:buNone/>
             </a:pPr>
-            <a:endParaRPr b="0" lang="pl-PL" sz="1400" spc="-1" strike="noStrike">
+            <a:endParaRPr b="0" lang="pl-PL" sz="3200" spc="-1" strike="noStrike">
               <a:solidFill>
                 <a:srgbClr val="000000"/>
               </a:solidFill>
@@ -217,7 +217,7 @@
         <p:txBody>
           <a:bodyPr/>
           <a:p>
-            <a:fld id="{9F3FA650-A6E3-459F-AC61-DF9187E42A1A}" type="slidenum">
+            <a:fld id="{32BB8AB9-37FF-428C-BF01-C66D89E76CFB}" type="slidenum">
               <a:t>&lt;#&gt;</a:t>
             </a:fld>
           </a:p>
@@ -247,7 +247,7 @@
       </p:grpSpPr>
       <p:sp>
         <p:nvSpPr>
-          <p:cNvPr id="27" name="PlaceHolder 1"/>
+          <p:cNvPr id="29" name="PlaceHolder 1"/>
           <p:cNvSpPr>
             <a:spLocks noGrp="1"/>
           </p:cNvSpPr>
@@ -258,7 +258,7 @@
         <p:spPr>
           <a:xfrm>
             <a:off x="311760" y="744480"/>
-            <a:ext cx="8520120" cy="2052360"/>
+            <a:ext cx="8519760" cy="2052000"/>
           </a:xfrm>
           <a:prstGeom prst="rect">
             <a:avLst/>
@@ -273,21 +273,21 @@
             <a:noAutofit/>
           </a:bodyPr>
           <a:p>
-            <a:pPr indent="0">
+            <a:pPr indent="0" algn="ctr">
               <a:buNone/>
             </a:pPr>
-            <a:endParaRPr b="0" lang="pl-PL" sz="1400" spc="-1" strike="noStrike">
-              <a:solidFill>
-                <a:srgbClr val="000000"/>
-              </a:solidFill>
-              <a:latin typeface="Arial"/>
-            </a:endParaRPr>
-          </a:p>
-        </p:txBody>
-      </p:sp>
-      <p:sp>
-        <p:nvSpPr>
-          <p:cNvPr id="28" name="PlaceHolder 2"/>
+            <a:endParaRPr b="0" lang="pl-PL" sz="4400" spc="-1" strike="noStrike">
+              <a:solidFill>
+                <a:srgbClr val="000000"/>
+              </a:solidFill>
+              <a:latin typeface="Arial"/>
+            </a:endParaRPr>
+          </a:p>
+        </p:txBody>
+      </p:sp>
+      <p:sp>
+        <p:nvSpPr>
+          <p:cNvPr id="30" name="PlaceHolder 2"/>
           <p:cNvSpPr>
             <a:spLocks noGrp="1"/>
           </p:cNvSpPr>
@@ -319,18 +319,18 @@
               </a:spcBef>
               <a:buNone/>
             </a:pPr>
-            <a:endParaRPr b="0" lang="pl-PL" sz="1400" spc="-1" strike="noStrike">
-              <a:solidFill>
-                <a:srgbClr val="000000"/>
-              </a:solidFill>
-              <a:latin typeface="Arial"/>
-            </a:endParaRPr>
-          </a:p>
-        </p:txBody>
-      </p:sp>
-      <p:sp>
-        <p:nvSpPr>
-          <p:cNvPr id="29" name="PlaceHolder 3"/>
+            <a:endParaRPr b="0" lang="pl-PL" sz="3200" spc="-1" strike="noStrike">
+              <a:solidFill>
+                <a:srgbClr val="000000"/>
+              </a:solidFill>
+              <a:latin typeface="Arial"/>
+            </a:endParaRPr>
+          </a:p>
+        </p:txBody>
+      </p:sp>
+      <p:sp>
+        <p:nvSpPr>
+          <p:cNvPr id="31" name="PlaceHolder 3"/>
           <p:cNvSpPr>
             <a:spLocks noGrp="1"/>
           </p:cNvSpPr>
@@ -362,18 +362,18 @@
               </a:spcBef>
               <a:buNone/>
             </a:pPr>
-            <a:endParaRPr b="0" lang="pl-PL" sz="1400" spc="-1" strike="noStrike">
-              <a:solidFill>
-                <a:srgbClr val="000000"/>
-              </a:solidFill>
-              <a:latin typeface="Arial"/>
-            </a:endParaRPr>
-          </a:p>
-        </p:txBody>
-      </p:sp>
-      <p:sp>
-        <p:nvSpPr>
-          <p:cNvPr id="30" name="PlaceHolder 4"/>
+            <a:endParaRPr b="0" lang="pl-PL" sz="3200" spc="-1" strike="noStrike">
+              <a:solidFill>
+                <a:srgbClr val="000000"/>
+              </a:solidFill>
+              <a:latin typeface="Arial"/>
+            </a:endParaRPr>
+          </a:p>
+        </p:txBody>
+      </p:sp>
+      <p:sp>
+        <p:nvSpPr>
+          <p:cNvPr id="32" name="PlaceHolder 4"/>
           <p:cNvSpPr>
             <a:spLocks noGrp="1"/>
           </p:cNvSpPr>
@@ -405,18 +405,18 @@
               </a:spcBef>
               <a:buNone/>
             </a:pPr>
-            <a:endParaRPr b="0" lang="pl-PL" sz="1400" spc="-1" strike="noStrike">
-              <a:solidFill>
-                <a:srgbClr val="000000"/>
-              </a:solidFill>
-              <a:latin typeface="Arial"/>
-            </a:endParaRPr>
-          </a:p>
-        </p:txBody>
-      </p:sp>
-      <p:sp>
-        <p:nvSpPr>
-          <p:cNvPr id="31" name="PlaceHolder 5"/>
+            <a:endParaRPr b="0" lang="pl-PL" sz="3200" spc="-1" strike="noStrike">
+              <a:solidFill>
+                <a:srgbClr val="000000"/>
+              </a:solidFill>
+              <a:latin typeface="Arial"/>
+            </a:endParaRPr>
+          </a:p>
+        </p:txBody>
+      </p:sp>
+      <p:sp>
+        <p:nvSpPr>
+          <p:cNvPr id="33" name="PlaceHolder 5"/>
           <p:cNvSpPr>
             <a:spLocks noGrp="1"/>
           </p:cNvSpPr>
@@ -448,7 +448,7 @@
               </a:spcBef>
               <a:buNone/>
             </a:pPr>
-            <a:endParaRPr b="0" lang="pl-PL" sz="1400" spc="-1" strike="noStrike">
+            <a:endParaRPr b="0" lang="pl-PL" sz="3200" spc="-1" strike="noStrike">
               <a:solidFill>
                 <a:srgbClr val="000000"/>
               </a:solidFill>
@@ -471,7 +471,7 @@
         <p:txBody>
           <a:bodyPr/>
           <a:p>
-            <a:fld id="{B0478F34-7769-4F39-B32B-84148C7E97CE}" type="slidenum">
+            <a:fld id="{76B2FF39-58F9-4A08-872B-97096B729EA1}" type="slidenum">
               <a:t>&lt;#&gt;</a:t>
             </a:fld>
           </a:p>
@@ -501,7 +501,7 @@
       </p:grpSpPr>
       <p:sp>
         <p:nvSpPr>
-          <p:cNvPr id="32" name="PlaceHolder 1"/>
+          <p:cNvPr id="34" name="PlaceHolder 1"/>
           <p:cNvSpPr>
             <a:spLocks noGrp="1"/>
           </p:cNvSpPr>
@@ -512,7 +512,7 @@
         <p:spPr>
           <a:xfrm>
             <a:off x="311760" y="744480"/>
-            <a:ext cx="8520120" cy="2052360"/>
+            <a:ext cx="8519760" cy="2052000"/>
           </a:xfrm>
           <a:prstGeom prst="rect">
             <a:avLst/>
@@ -527,21 +527,21 @@
             <a:noAutofit/>
           </a:bodyPr>
           <a:p>
-            <a:pPr indent="0">
+            <a:pPr indent="0" algn="ctr">
               <a:buNone/>
             </a:pPr>
-            <a:endParaRPr b="0" lang="pl-PL" sz="1400" spc="-1" strike="noStrike">
-              <a:solidFill>
-                <a:srgbClr val="000000"/>
-              </a:solidFill>
-              <a:latin typeface="Arial"/>
-            </a:endParaRPr>
-          </a:p>
-        </p:txBody>
-      </p:sp>
-      <p:sp>
-        <p:nvSpPr>
-          <p:cNvPr id="33" name="PlaceHolder 2"/>
+            <a:endParaRPr b="0" lang="pl-PL" sz="4400" spc="-1" strike="noStrike">
+              <a:solidFill>
+                <a:srgbClr val="000000"/>
+              </a:solidFill>
+              <a:latin typeface="Arial"/>
+            </a:endParaRPr>
+          </a:p>
+        </p:txBody>
+      </p:sp>
+      <p:sp>
+        <p:nvSpPr>
+          <p:cNvPr id="35" name="PlaceHolder 2"/>
           <p:cNvSpPr>
             <a:spLocks noGrp="1"/>
           </p:cNvSpPr>
@@ -573,18 +573,18 @@
               </a:spcBef>
               <a:buNone/>
             </a:pPr>
-            <a:endParaRPr b="0" lang="pl-PL" sz="1400" spc="-1" strike="noStrike">
-              <a:solidFill>
-                <a:srgbClr val="000000"/>
-              </a:solidFill>
-              <a:latin typeface="Arial"/>
-            </a:endParaRPr>
-          </a:p>
-        </p:txBody>
-      </p:sp>
-      <p:sp>
-        <p:nvSpPr>
-          <p:cNvPr id="34" name="PlaceHolder 3"/>
+            <a:endParaRPr b="0" lang="pl-PL" sz="3200" spc="-1" strike="noStrike">
+              <a:solidFill>
+                <a:srgbClr val="000000"/>
+              </a:solidFill>
+              <a:latin typeface="Arial"/>
+            </a:endParaRPr>
+          </a:p>
+        </p:txBody>
+      </p:sp>
+      <p:sp>
+        <p:nvSpPr>
+          <p:cNvPr id="36" name="PlaceHolder 3"/>
           <p:cNvSpPr>
             <a:spLocks noGrp="1"/>
           </p:cNvSpPr>
@@ -616,18 +616,18 @@
               </a:spcBef>
               <a:buNone/>
             </a:pPr>
-            <a:endParaRPr b="0" lang="pl-PL" sz="1400" spc="-1" strike="noStrike">
-              <a:solidFill>
-                <a:srgbClr val="000000"/>
-              </a:solidFill>
-              <a:latin typeface="Arial"/>
-            </a:endParaRPr>
-          </a:p>
-        </p:txBody>
-      </p:sp>
-      <p:sp>
-        <p:nvSpPr>
-          <p:cNvPr id="35" name="PlaceHolder 4"/>
+            <a:endParaRPr b="0" lang="pl-PL" sz="3200" spc="-1" strike="noStrike">
+              <a:solidFill>
+                <a:srgbClr val="000000"/>
+              </a:solidFill>
+              <a:latin typeface="Arial"/>
+            </a:endParaRPr>
+          </a:p>
+        </p:txBody>
+      </p:sp>
+      <p:sp>
+        <p:nvSpPr>
+          <p:cNvPr id="37" name="PlaceHolder 4"/>
           <p:cNvSpPr>
             <a:spLocks noGrp="1"/>
           </p:cNvSpPr>
@@ -659,18 +659,18 @@
               </a:spcBef>
               <a:buNone/>
             </a:pPr>
-            <a:endParaRPr b="0" lang="pl-PL" sz="1400" spc="-1" strike="noStrike">
-              <a:solidFill>
-                <a:srgbClr val="000000"/>
-              </a:solidFill>
-              <a:latin typeface="Arial"/>
-            </a:endParaRPr>
-          </a:p>
-        </p:txBody>
-      </p:sp>
-      <p:sp>
-        <p:nvSpPr>
-          <p:cNvPr id="36" name="PlaceHolder 5"/>
+            <a:endParaRPr b="0" lang="pl-PL" sz="3200" spc="-1" strike="noStrike">
+              <a:solidFill>
+                <a:srgbClr val="000000"/>
+              </a:solidFill>
+              <a:latin typeface="Arial"/>
+            </a:endParaRPr>
+          </a:p>
+        </p:txBody>
+      </p:sp>
+      <p:sp>
+        <p:nvSpPr>
+          <p:cNvPr id="38" name="PlaceHolder 5"/>
           <p:cNvSpPr>
             <a:spLocks noGrp="1"/>
           </p:cNvSpPr>
@@ -702,18 +702,18 @@
               </a:spcBef>
               <a:buNone/>
             </a:pPr>
-            <a:endParaRPr b="0" lang="pl-PL" sz="1400" spc="-1" strike="noStrike">
-              <a:solidFill>
-                <a:srgbClr val="000000"/>
-              </a:solidFill>
-              <a:latin typeface="Arial"/>
-            </a:endParaRPr>
-          </a:p>
-        </p:txBody>
-      </p:sp>
-      <p:sp>
-        <p:nvSpPr>
-          <p:cNvPr id="37" name="PlaceHolder 6"/>
+            <a:endParaRPr b="0" lang="pl-PL" sz="3200" spc="-1" strike="noStrike">
+              <a:solidFill>
+                <a:srgbClr val="000000"/>
+              </a:solidFill>
+              <a:latin typeface="Arial"/>
+            </a:endParaRPr>
+          </a:p>
+        </p:txBody>
+      </p:sp>
+      <p:sp>
+        <p:nvSpPr>
+          <p:cNvPr id="39" name="PlaceHolder 6"/>
           <p:cNvSpPr>
             <a:spLocks noGrp="1"/>
           </p:cNvSpPr>
@@ -745,18 +745,18 @@
               </a:spcBef>
               <a:buNone/>
             </a:pPr>
-            <a:endParaRPr b="0" lang="pl-PL" sz="1400" spc="-1" strike="noStrike">
-              <a:solidFill>
-                <a:srgbClr val="000000"/>
-              </a:solidFill>
-              <a:latin typeface="Arial"/>
-            </a:endParaRPr>
-          </a:p>
-        </p:txBody>
-      </p:sp>
-      <p:sp>
-        <p:nvSpPr>
-          <p:cNvPr id="38" name="PlaceHolder 7"/>
+            <a:endParaRPr b="0" lang="pl-PL" sz="3200" spc="-1" strike="noStrike">
+              <a:solidFill>
+                <a:srgbClr val="000000"/>
+              </a:solidFill>
+              <a:latin typeface="Arial"/>
+            </a:endParaRPr>
+          </a:p>
+        </p:txBody>
+      </p:sp>
+      <p:sp>
+        <p:nvSpPr>
+          <p:cNvPr id="40" name="PlaceHolder 7"/>
           <p:cNvSpPr>
             <a:spLocks noGrp="1"/>
           </p:cNvSpPr>
@@ -788,7 +788,7 @@
               </a:spcBef>
               <a:buNone/>
             </a:pPr>
-            <a:endParaRPr b="0" lang="pl-PL" sz="1400" spc="-1" strike="noStrike">
+            <a:endParaRPr b="0" lang="pl-PL" sz="3200" spc="-1" strike="noStrike">
               <a:solidFill>
                 <a:srgbClr val="000000"/>
               </a:solidFill>
@@ -811,7 +811,7 @@
         <p:txBody>
           <a:bodyPr/>
           <a:p>
-            <a:fld id="{FC26CB47-5703-4A8C-8E7D-81FBA8F97A6D}" type="slidenum">
+            <a:fld id="{B4B6622D-5F00-42EC-9332-6E141C0EE379}" type="slidenum">
               <a:t>&lt;#&gt;</a:t>
             </a:fld>
           </a:p>
@@ -841,7 +841,7 @@
       </p:grpSpPr>
       <p:sp>
         <p:nvSpPr>
-          <p:cNvPr id="3" name="PlaceHolder 1"/>
+          <p:cNvPr id="5" name="PlaceHolder 1"/>
           <p:cNvSpPr>
             <a:spLocks noGrp="1"/>
           </p:cNvSpPr>
@@ -852,7 +852,7 @@
         <p:spPr>
           <a:xfrm>
             <a:off x="311760" y="744480"/>
-            <a:ext cx="8520120" cy="2052360"/>
+            <a:ext cx="8519760" cy="2052000"/>
           </a:xfrm>
           <a:prstGeom prst="rect">
             <a:avLst/>
@@ -867,21 +867,21 @@
             <a:noAutofit/>
           </a:bodyPr>
           <a:p>
-            <a:pPr indent="0">
+            <a:pPr indent="0" algn="ctr">
               <a:buNone/>
             </a:pPr>
-            <a:endParaRPr b="0" lang="pl-PL" sz="1400" spc="-1" strike="noStrike">
-              <a:solidFill>
-                <a:srgbClr val="000000"/>
-              </a:solidFill>
-              <a:latin typeface="Arial"/>
-            </a:endParaRPr>
-          </a:p>
-        </p:txBody>
-      </p:sp>
-      <p:sp>
-        <p:nvSpPr>
-          <p:cNvPr id="4" name="PlaceHolder 2"/>
+            <a:endParaRPr b="0" lang="pl-PL" sz="4400" spc="-1" strike="noStrike">
+              <a:solidFill>
+                <a:srgbClr val="000000"/>
+              </a:solidFill>
+              <a:latin typeface="Arial"/>
+            </a:endParaRPr>
+          </a:p>
+        </p:txBody>
+      </p:sp>
+      <p:sp>
+        <p:nvSpPr>
+          <p:cNvPr id="6" name="PlaceHolder 2"/>
           <p:cNvSpPr>
             <a:spLocks noGrp="1"/>
           </p:cNvSpPr>
@@ -933,7 +933,7 @@
         <p:txBody>
           <a:bodyPr/>
           <a:p>
-            <a:fld id="{8AF9A274-C918-488F-8D3D-23853D3D5EC5}" type="slidenum">
+            <a:fld id="{740465D5-FA7C-4228-8753-42BCC550B15B}" type="slidenum">
               <a:t>&lt;#&gt;</a:t>
             </a:fld>
           </a:p>
@@ -963,7 +963,7 @@
       </p:grpSpPr>
       <p:sp>
         <p:nvSpPr>
-          <p:cNvPr id="5" name="PlaceHolder 1"/>
+          <p:cNvPr id="7" name="PlaceHolder 1"/>
           <p:cNvSpPr>
             <a:spLocks noGrp="1"/>
           </p:cNvSpPr>
@@ -974,7 +974,7 @@
         <p:spPr>
           <a:xfrm>
             <a:off x="311760" y="744480"/>
-            <a:ext cx="8520120" cy="2052360"/>
+            <a:ext cx="8519760" cy="2052000"/>
           </a:xfrm>
           <a:prstGeom prst="rect">
             <a:avLst/>
@@ -989,21 +989,21 @@
             <a:noAutofit/>
           </a:bodyPr>
           <a:p>
-            <a:pPr indent="0">
+            <a:pPr indent="0" algn="ctr">
               <a:buNone/>
             </a:pPr>
-            <a:endParaRPr b="0" lang="pl-PL" sz="1400" spc="-1" strike="noStrike">
-              <a:solidFill>
-                <a:srgbClr val="000000"/>
-              </a:solidFill>
-              <a:latin typeface="Arial"/>
-            </a:endParaRPr>
-          </a:p>
-        </p:txBody>
-      </p:sp>
-      <p:sp>
-        <p:nvSpPr>
-          <p:cNvPr id="6" name="PlaceHolder 2"/>
+            <a:endParaRPr b="0" lang="pl-PL" sz="4400" spc="-1" strike="noStrike">
+              <a:solidFill>
+                <a:srgbClr val="000000"/>
+              </a:solidFill>
+              <a:latin typeface="Arial"/>
+            </a:endParaRPr>
+          </a:p>
+        </p:txBody>
+      </p:sp>
+      <p:sp>
+        <p:nvSpPr>
+          <p:cNvPr id="8" name="PlaceHolder 2"/>
           <p:cNvSpPr>
             <a:spLocks noGrp="1"/>
           </p:cNvSpPr>
@@ -1035,7 +1035,7 @@
               </a:spcBef>
               <a:buNone/>
             </a:pPr>
-            <a:endParaRPr b="0" lang="pl-PL" sz="1400" spc="-1" strike="noStrike">
+            <a:endParaRPr b="0" lang="pl-PL" sz="3200" spc="-1" strike="noStrike">
               <a:solidFill>
                 <a:srgbClr val="000000"/>
               </a:solidFill>
@@ -1058,7 +1058,7 @@
         <p:txBody>
           <a:bodyPr/>
           <a:p>
-            <a:fld id="{686754EB-2FD2-4239-9BB5-D5C6AD52C06A}" type="slidenum">
+            <a:fld id="{7512BBA0-D45C-4803-A994-793B3D36869F}" type="slidenum">
               <a:t>&lt;#&gt;</a:t>
             </a:fld>
           </a:p>
@@ -1088,7 +1088,7 @@
       </p:grpSpPr>
       <p:sp>
         <p:nvSpPr>
-          <p:cNvPr id="7" name="PlaceHolder 1"/>
+          <p:cNvPr id="9" name="PlaceHolder 1"/>
           <p:cNvSpPr>
             <a:spLocks noGrp="1"/>
           </p:cNvSpPr>
@@ -1099,7 +1099,7 @@
         <p:spPr>
           <a:xfrm>
             <a:off x="311760" y="744480"/>
-            <a:ext cx="8520120" cy="2052360"/>
+            <a:ext cx="8519760" cy="2052000"/>
           </a:xfrm>
           <a:prstGeom prst="rect">
             <a:avLst/>
@@ -1114,21 +1114,21 @@
             <a:noAutofit/>
           </a:bodyPr>
           <a:p>
-            <a:pPr indent="0">
+            <a:pPr indent="0" algn="ctr">
               <a:buNone/>
             </a:pPr>
-            <a:endParaRPr b="0" lang="pl-PL" sz="1400" spc="-1" strike="noStrike">
-              <a:solidFill>
-                <a:srgbClr val="000000"/>
-              </a:solidFill>
-              <a:latin typeface="Arial"/>
-            </a:endParaRPr>
-          </a:p>
-        </p:txBody>
-      </p:sp>
-      <p:sp>
-        <p:nvSpPr>
-          <p:cNvPr id="8" name="PlaceHolder 2"/>
+            <a:endParaRPr b="0" lang="pl-PL" sz="4400" spc="-1" strike="noStrike">
+              <a:solidFill>
+                <a:srgbClr val="000000"/>
+              </a:solidFill>
+              <a:latin typeface="Arial"/>
+            </a:endParaRPr>
+          </a:p>
+        </p:txBody>
+      </p:sp>
+      <p:sp>
+        <p:nvSpPr>
+          <p:cNvPr id="10" name="PlaceHolder 2"/>
           <p:cNvSpPr>
             <a:spLocks noGrp="1"/>
           </p:cNvSpPr>
@@ -1160,18 +1160,18 @@
               </a:spcBef>
               <a:buNone/>
             </a:pPr>
-            <a:endParaRPr b="0" lang="pl-PL" sz="1400" spc="-1" strike="noStrike">
-              <a:solidFill>
-                <a:srgbClr val="000000"/>
-              </a:solidFill>
-              <a:latin typeface="Arial"/>
-            </a:endParaRPr>
-          </a:p>
-        </p:txBody>
-      </p:sp>
-      <p:sp>
-        <p:nvSpPr>
-          <p:cNvPr id="9" name="PlaceHolder 3"/>
+            <a:endParaRPr b="0" lang="pl-PL" sz="3200" spc="-1" strike="noStrike">
+              <a:solidFill>
+                <a:srgbClr val="000000"/>
+              </a:solidFill>
+              <a:latin typeface="Arial"/>
+            </a:endParaRPr>
+          </a:p>
+        </p:txBody>
+      </p:sp>
+      <p:sp>
+        <p:nvSpPr>
+          <p:cNvPr id="11" name="PlaceHolder 3"/>
           <p:cNvSpPr>
             <a:spLocks noGrp="1"/>
           </p:cNvSpPr>
@@ -1203,7 +1203,7 @@
               </a:spcBef>
               <a:buNone/>
             </a:pPr>
-            <a:endParaRPr b="0" lang="pl-PL" sz="1400" spc="-1" strike="noStrike">
+            <a:endParaRPr b="0" lang="pl-PL" sz="3200" spc="-1" strike="noStrike">
               <a:solidFill>
                 <a:srgbClr val="000000"/>
               </a:solidFill>
@@ -1226,7 +1226,7 @@
         <p:txBody>
           <a:bodyPr/>
           <a:p>
-            <a:fld id="{364082B7-7398-471D-9EA8-FAD5FF136B9A}" type="slidenum">
+            <a:fld id="{0BAA5187-DCC5-4EE9-875B-3855C3B12B2E}" type="slidenum">
               <a:t>&lt;#&gt;</a:t>
             </a:fld>
           </a:p>
@@ -1256,7 +1256,7 @@
       </p:grpSpPr>
       <p:sp>
         <p:nvSpPr>
-          <p:cNvPr id="10" name="PlaceHolder 1"/>
+          <p:cNvPr id="12" name="PlaceHolder 1"/>
           <p:cNvSpPr>
             <a:spLocks noGrp="1"/>
           </p:cNvSpPr>
@@ -1267,7 +1267,7 @@
         <p:spPr>
           <a:xfrm>
             <a:off x="311760" y="744480"/>
-            <a:ext cx="8520120" cy="2052360"/>
+            <a:ext cx="8519760" cy="2052000"/>
           </a:xfrm>
           <a:prstGeom prst="rect">
             <a:avLst/>
@@ -1282,10 +1282,10 @@
             <a:noAutofit/>
           </a:bodyPr>
           <a:p>
-            <a:pPr indent="0">
+            <a:pPr indent="0" algn="ctr">
               <a:buNone/>
             </a:pPr>
-            <a:endParaRPr b="0" lang="pl-PL" sz="1400" spc="-1" strike="noStrike">
+            <a:endParaRPr b="0" lang="pl-PL" sz="4400" spc="-1" strike="noStrike">
               <a:solidFill>
                 <a:srgbClr val="000000"/>
               </a:solidFill>
@@ -1308,7 +1308,7 @@
         <p:txBody>
           <a:bodyPr/>
           <a:p>
-            <a:fld id="{B514F26A-378C-448C-B474-5277E29EA64F}" type="slidenum">
+            <a:fld id="{3BFA3297-0E0C-4FCE-BA34-38352C5232DB}" type="slidenum">
               <a:t>&lt;#&gt;</a:t>
             </a:fld>
           </a:p>
@@ -1338,7 +1338,7 @@
       </p:grpSpPr>
       <p:sp>
         <p:nvSpPr>
-          <p:cNvPr id="11" name="PlaceHolder 1"/>
+          <p:cNvPr id="13" name="PlaceHolder 1"/>
           <p:cNvSpPr>
             <a:spLocks noGrp="1"/>
           </p:cNvSpPr>
@@ -1349,7 +1349,7 @@
         <p:spPr>
           <a:xfrm>
             <a:off x="311760" y="744480"/>
-            <a:ext cx="8520120" cy="9514800"/>
+            <a:ext cx="8519760" cy="9513000"/>
           </a:xfrm>
           <a:prstGeom prst="rect">
             <a:avLst/>
@@ -1388,7 +1388,7 @@
         <p:txBody>
           <a:bodyPr/>
           <a:p>
-            <a:fld id="{A03DD3C0-C903-47B1-8AA8-648D9FD314E6}" type="slidenum">
+            <a:fld id="{EE7E7AC6-5E02-417B-9750-82DD32616559}" type="slidenum">
               <a:t>&lt;#&gt;</a:t>
             </a:fld>
           </a:p>
@@ -1418,7 +1418,7 @@
       </p:grpSpPr>
       <p:sp>
         <p:nvSpPr>
-          <p:cNvPr id="12" name="PlaceHolder 1"/>
+          <p:cNvPr id="14" name="PlaceHolder 1"/>
           <p:cNvSpPr>
             <a:spLocks noGrp="1"/>
           </p:cNvSpPr>
@@ -1429,7 +1429,7 @@
         <p:spPr>
           <a:xfrm>
             <a:off x="311760" y="744480"/>
-            <a:ext cx="8520120" cy="2052360"/>
+            <a:ext cx="8519760" cy="2052000"/>
           </a:xfrm>
           <a:prstGeom prst="rect">
             <a:avLst/>
@@ -1444,21 +1444,21 @@
             <a:noAutofit/>
           </a:bodyPr>
           <a:p>
-            <a:pPr indent="0">
+            <a:pPr indent="0" algn="ctr">
               <a:buNone/>
             </a:pPr>
-            <a:endParaRPr b="0" lang="pl-PL" sz="1400" spc="-1" strike="noStrike">
-              <a:solidFill>
-                <a:srgbClr val="000000"/>
-              </a:solidFill>
-              <a:latin typeface="Arial"/>
-            </a:endParaRPr>
-          </a:p>
-        </p:txBody>
-      </p:sp>
-      <p:sp>
-        <p:nvSpPr>
-          <p:cNvPr id="13" name="PlaceHolder 2"/>
+            <a:endParaRPr b="0" lang="pl-PL" sz="4400" spc="-1" strike="noStrike">
+              <a:solidFill>
+                <a:srgbClr val="000000"/>
+              </a:solidFill>
+              <a:latin typeface="Arial"/>
+            </a:endParaRPr>
+          </a:p>
+        </p:txBody>
+      </p:sp>
+      <p:sp>
+        <p:nvSpPr>
+          <p:cNvPr id="15" name="PlaceHolder 2"/>
           <p:cNvSpPr>
             <a:spLocks noGrp="1"/>
           </p:cNvSpPr>
@@ -1490,18 +1490,18 @@
               </a:spcBef>
               <a:buNone/>
             </a:pPr>
-            <a:endParaRPr b="0" lang="pl-PL" sz="1400" spc="-1" strike="noStrike">
-              <a:solidFill>
-                <a:srgbClr val="000000"/>
-              </a:solidFill>
-              <a:latin typeface="Arial"/>
-            </a:endParaRPr>
-          </a:p>
-        </p:txBody>
-      </p:sp>
-      <p:sp>
-        <p:nvSpPr>
-          <p:cNvPr id="14" name="PlaceHolder 3"/>
+            <a:endParaRPr b="0" lang="pl-PL" sz="3200" spc="-1" strike="noStrike">
+              <a:solidFill>
+                <a:srgbClr val="000000"/>
+              </a:solidFill>
+              <a:latin typeface="Arial"/>
+            </a:endParaRPr>
+          </a:p>
+        </p:txBody>
+      </p:sp>
+      <p:sp>
+        <p:nvSpPr>
+          <p:cNvPr id="16" name="PlaceHolder 3"/>
           <p:cNvSpPr>
             <a:spLocks noGrp="1"/>
           </p:cNvSpPr>
@@ -1533,18 +1533,18 @@
               </a:spcBef>
               <a:buNone/>
             </a:pPr>
-            <a:endParaRPr b="0" lang="pl-PL" sz="1400" spc="-1" strike="noStrike">
-              <a:solidFill>
-                <a:srgbClr val="000000"/>
-              </a:solidFill>
-              <a:latin typeface="Arial"/>
-            </a:endParaRPr>
-          </a:p>
-        </p:txBody>
-      </p:sp>
-      <p:sp>
-        <p:nvSpPr>
-          <p:cNvPr id="15" name="PlaceHolder 4"/>
+            <a:endParaRPr b="0" lang="pl-PL" sz="3200" spc="-1" strike="noStrike">
+              <a:solidFill>
+                <a:srgbClr val="000000"/>
+              </a:solidFill>
+              <a:latin typeface="Arial"/>
+            </a:endParaRPr>
+          </a:p>
+        </p:txBody>
+      </p:sp>
+      <p:sp>
+        <p:nvSpPr>
+          <p:cNvPr id="17" name="PlaceHolder 4"/>
           <p:cNvSpPr>
             <a:spLocks noGrp="1"/>
           </p:cNvSpPr>
@@ -1576,7 +1576,7 @@
               </a:spcBef>
               <a:buNone/>
             </a:pPr>
-            <a:endParaRPr b="0" lang="pl-PL" sz="1400" spc="-1" strike="noStrike">
+            <a:endParaRPr b="0" lang="pl-PL" sz="3200" spc="-1" strike="noStrike">
               <a:solidFill>
                 <a:srgbClr val="000000"/>
               </a:solidFill>
@@ -1599,7 +1599,7 @@
         <p:txBody>
           <a:bodyPr/>
           <a:p>
-            <a:fld id="{9F33B4FD-B7C1-42F8-A1EA-2F60FA2B15E6}" type="slidenum">
+            <a:fld id="{A38479AC-88CE-489D-B927-B98324999D6A}" type="slidenum">
               <a:t>&lt;#&gt;</a:t>
             </a:fld>
           </a:p>
@@ -1629,7 +1629,7 @@
       </p:grpSpPr>
       <p:sp>
         <p:nvSpPr>
-          <p:cNvPr id="16" name="PlaceHolder 1"/>
+          <p:cNvPr id="18" name="PlaceHolder 1"/>
           <p:cNvSpPr>
             <a:spLocks noGrp="1"/>
           </p:cNvSpPr>
@@ -1640,7 +1640,7 @@
         <p:spPr>
           <a:xfrm>
             <a:off x="311760" y="744480"/>
-            <a:ext cx="8520120" cy="2052360"/>
+            <a:ext cx="8519760" cy="2052000"/>
           </a:xfrm>
           <a:prstGeom prst="rect">
             <a:avLst/>
@@ -1655,21 +1655,21 @@
             <a:noAutofit/>
           </a:bodyPr>
           <a:p>
-            <a:pPr indent="0">
+            <a:pPr indent="0" algn="ctr">
               <a:buNone/>
             </a:pPr>
-            <a:endParaRPr b="0" lang="pl-PL" sz="1400" spc="-1" strike="noStrike">
-              <a:solidFill>
-                <a:srgbClr val="000000"/>
-              </a:solidFill>
-              <a:latin typeface="Arial"/>
-            </a:endParaRPr>
-          </a:p>
-        </p:txBody>
-      </p:sp>
-      <p:sp>
-        <p:nvSpPr>
-          <p:cNvPr id="17" name="PlaceHolder 2"/>
+            <a:endParaRPr b="0" lang="pl-PL" sz="4400" spc="-1" strike="noStrike">
+              <a:solidFill>
+                <a:srgbClr val="000000"/>
+              </a:solidFill>
+              <a:latin typeface="Arial"/>
+            </a:endParaRPr>
+          </a:p>
+        </p:txBody>
+      </p:sp>
+      <p:sp>
+        <p:nvSpPr>
+          <p:cNvPr id="19" name="PlaceHolder 2"/>
           <p:cNvSpPr>
             <a:spLocks noGrp="1"/>
           </p:cNvSpPr>
@@ -1701,18 +1701,18 @@
               </a:spcBef>
               <a:buNone/>
             </a:pPr>
-            <a:endParaRPr b="0" lang="pl-PL" sz="1400" spc="-1" strike="noStrike">
-              <a:solidFill>
-                <a:srgbClr val="000000"/>
-              </a:solidFill>
-              <a:latin typeface="Arial"/>
-            </a:endParaRPr>
-          </a:p>
-        </p:txBody>
-      </p:sp>
-      <p:sp>
-        <p:nvSpPr>
-          <p:cNvPr id="18" name="PlaceHolder 3"/>
+            <a:endParaRPr b="0" lang="pl-PL" sz="3200" spc="-1" strike="noStrike">
+              <a:solidFill>
+                <a:srgbClr val="000000"/>
+              </a:solidFill>
+              <a:latin typeface="Arial"/>
+            </a:endParaRPr>
+          </a:p>
+        </p:txBody>
+      </p:sp>
+      <p:sp>
+        <p:nvSpPr>
+          <p:cNvPr id="20" name="PlaceHolder 3"/>
           <p:cNvSpPr>
             <a:spLocks noGrp="1"/>
           </p:cNvSpPr>
@@ -1744,18 +1744,18 @@
               </a:spcBef>
               <a:buNone/>
             </a:pPr>
-            <a:endParaRPr b="0" lang="pl-PL" sz="1400" spc="-1" strike="noStrike">
-              <a:solidFill>
-                <a:srgbClr val="000000"/>
-              </a:solidFill>
-              <a:latin typeface="Arial"/>
-            </a:endParaRPr>
-          </a:p>
-        </p:txBody>
-      </p:sp>
-      <p:sp>
-        <p:nvSpPr>
-          <p:cNvPr id="19" name="PlaceHolder 4"/>
+            <a:endParaRPr b="0" lang="pl-PL" sz="3200" spc="-1" strike="noStrike">
+              <a:solidFill>
+                <a:srgbClr val="000000"/>
+              </a:solidFill>
+              <a:latin typeface="Arial"/>
+            </a:endParaRPr>
+          </a:p>
+        </p:txBody>
+      </p:sp>
+      <p:sp>
+        <p:nvSpPr>
+          <p:cNvPr id="21" name="PlaceHolder 4"/>
           <p:cNvSpPr>
             <a:spLocks noGrp="1"/>
           </p:cNvSpPr>
@@ -1787,7 +1787,7 @@
               </a:spcBef>
               <a:buNone/>
             </a:pPr>
-            <a:endParaRPr b="0" lang="pl-PL" sz="1400" spc="-1" strike="noStrike">
+            <a:endParaRPr b="0" lang="pl-PL" sz="3200" spc="-1" strike="noStrike">
               <a:solidFill>
                 <a:srgbClr val="000000"/>
               </a:solidFill>
@@ -1810,7 +1810,7 @@
         <p:txBody>
           <a:bodyPr/>
           <a:p>
-            <a:fld id="{412FEF42-4647-4844-8DBE-A0E87029C802}" type="slidenum">
+            <a:fld id="{0BA4696F-19BF-4D66-B007-CE3BF47A3470}" type="slidenum">
               <a:t>&lt;#&gt;</a:t>
             </a:fld>
           </a:p>
@@ -1840,7 +1840,7 @@
       </p:grpSpPr>
       <p:sp>
         <p:nvSpPr>
-          <p:cNvPr id="20" name="PlaceHolder 1"/>
+          <p:cNvPr id="22" name="PlaceHolder 1"/>
           <p:cNvSpPr>
             <a:spLocks noGrp="1"/>
           </p:cNvSpPr>
@@ -1851,7 +1851,7 @@
         <p:spPr>
           <a:xfrm>
             <a:off x="311760" y="744480"/>
-            <a:ext cx="8520120" cy="2052360"/>
+            <a:ext cx="8519760" cy="2052000"/>
           </a:xfrm>
           <a:prstGeom prst="rect">
             <a:avLst/>
@@ -1866,21 +1866,21 @@
             <a:noAutofit/>
           </a:bodyPr>
           <a:p>
-            <a:pPr indent="0">
+            <a:pPr indent="0" algn="ctr">
               <a:buNone/>
             </a:pPr>
-            <a:endParaRPr b="0" lang="pl-PL" sz="1400" spc="-1" strike="noStrike">
-              <a:solidFill>
-                <a:srgbClr val="000000"/>
-              </a:solidFill>
-              <a:latin typeface="Arial"/>
-            </a:endParaRPr>
-          </a:p>
-        </p:txBody>
-      </p:sp>
-      <p:sp>
-        <p:nvSpPr>
-          <p:cNvPr id="21" name="PlaceHolder 2"/>
+            <a:endParaRPr b="0" lang="pl-PL" sz="4400" spc="-1" strike="noStrike">
+              <a:solidFill>
+                <a:srgbClr val="000000"/>
+              </a:solidFill>
+              <a:latin typeface="Arial"/>
+            </a:endParaRPr>
+          </a:p>
+        </p:txBody>
+      </p:sp>
+      <p:sp>
+        <p:nvSpPr>
+          <p:cNvPr id="23" name="PlaceHolder 2"/>
           <p:cNvSpPr>
             <a:spLocks noGrp="1"/>
           </p:cNvSpPr>
@@ -1912,18 +1912,18 @@
               </a:spcBef>
               <a:buNone/>
             </a:pPr>
-            <a:endParaRPr b="0" lang="pl-PL" sz="1400" spc="-1" strike="noStrike">
-              <a:solidFill>
-                <a:srgbClr val="000000"/>
-              </a:solidFill>
-              <a:latin typeface="Arial"/>
-            </a:endParaRPr>
-          </a:p>
-        </p:txBody>
-      </p:sp>
-      <p:sp>
-        <p:nvSpPr>
-          <p:cNvPr id="22" name="PlaceHolder 3"/>
+            <a:endParaRPr b="0" lang="pl-PL" sz="3200" spc="-1" strike="noStrike">
+              <a:solidFill>
+                <a:srgbClr val="000000"/>
+              </a:solidFill>
+              <a:latin typeface="Arial"/>
+            </a:endParaRPr>
+          </a:p>
+        </p:txBody>
+      </p:sp>
+      <p:sp>
+        <p:nvSpPr>
+          <p:cNvPr id="24" name="PlaceHolder 3"/>
           <p:cNvSpPr>
             <a:spLocks noGrp="1"/>
           </p:cNvSpPr>
@@ -1955,18 +1955,18 @@
               </a:spcBef>
               <a:buNone/>
             </a:pPr>
-            <a:endParaRPr b="0" lang="pl-PL" sz="1400" spc="-1" strike="noStrike">
-              <a:solidFill>
-                <a:srgbClr val="000000"/>
-              </a:solidFill>
-              <a:latin typeface="Arial"/>
-            </a:endParaRPr>
-          </a:p>
-        </p:txBody>
-      </p:sp>
-      <p:sp>
-        <p:nvSpPr>
-          <p:cNvPr id="23" name="PlaceHolder 4"/>
+            <a:endParaRPr b="0" lang="pl-PL" sz="3200" spc="-1" strike="noStrike">
+              <a:solidFill>
+                <a:srgbClr val="000000"/>
+              </a:solidFill>
+              <a:latin typeface="Arial"/>
+            </a:endParaRPr>
+          </a:p>
+        </p:txBody>
+      </p:sp>
+      <p:sp>
+        <p:nvSpPr>
+          <p:cNvPr id="25" name="PlaceHolder 4"/>
           <p:cNvSpPr>
             <a:spLocks noGrp="1"/>
           </p:cNvSpPr>
@@ -1998,7 +1998,7 @@
               </a:spcBef>
               <a:buNone/>
             </a:pPr>
-            <a:endParaRPr b="0" lang="pl-PL" sz="1400" spc="-1" strike="noStrike">
+            <a:endParaRPr b="0" lang="pl-PL" sz="3200" spc="-1" strike="noStrike">
               <a:solidFill>
                 <a:srgbClr val="000000"/>
               </a:solidFill>
@@ -2021,7 +2021,7 @@
         <p:txBody>
           <a:bodyPr/>
           <a:p>
-            <a:fld id="{0098EEE7-12E5-4A76-8D5E-5C32A22ABA11}" type="slidenum">
+            <a:fld id="{7CAE3982-BCFD-4CA8-BEC9-DFFB4E080028}" type="slidenum">
               <a:t>&lt;#&gt;</a:t>
             </a:fld>
           </a:p>
@@ -2069,7 +2069,7 @@
         <p:spPr>
           <a:xfrm>
             <a:off x="311760" y="744480"/>
-            <a:ext cx="8520120" cy="2052360"/>
+            <a:ext cx="8519760" cy="2052000"/>
           </a:xfrm>
           <a:prstGeom prst="rect">
             <a:avLst/>
@@ -2080,15 +2080,15 @@
           </a:ln>
         </p:spPr>
         <p:txBody>
-          <a:bodyPr lIns="91440" rIns="91440" tIns="91440" bIns="91440" anchor="b">
-            <a:normAutofit/>
+          <a:bodyPr lIns="0" rIns="0" tIns="0" bIns="0" anchor="ctr">
+            <a:noAutofit/>
           </a:bodyPr>
           <a:p>
             <a:pPr indent="0">
               <a:buNone/>
             </a:pPr>
             <a:r>
-              <a:rPr b="0" lang="pl-PL" sz="5200" spc="-1" strike="noStrike">
+              <a:rPr b="0" lang="pl-PL" sz="1800" spc="-1" strike="noStrike">
                 <a:solidFill>
                   <a:srgbClr val="000000"/>
                 </a:solidFill>
@@ -2096,7 +2096,7 @@
               </a:rPr>
               <a:t>Kliknij, aby edytować format tekstu tytułu</a:t>
             </a:r>
-            <a:endParaRPr b="0" lang="pl-PL" sz="5200" spc="-1" strike="noStrike">
+            <a:endParaRPr b="0" lang="pl-PL" sz="1800" spc="-1" strike="noStrike">
               <a:solidFill>
                 <a:srgbClr val="000000"/>
               </a:solidFill>
@@ -2108,6 +2108,681 @@
       <p:sp>
         <p:nvSpPr>
           <p:cNvPr id="1" name="PlaceHolder 2"/>
+          <p:cNvSpPr>
+            <a:spLocks noGrp="1"/>
+          </p:cNvSpPr>
+          <p:nvPr>
+            <p:ph type="body"/>
+          </p:nvPr>
+        </p:nvSpPr>
+        <p:spPr>
+          <a:xfrm>
+            <a:off x="457200" y="1203480"/>
+            <a:ext cx="4015440" cy="1422360"/>
+          </a:xfrm>
+          <a:prstGeom prst="rect">
+            <a:avLst/>
+          </a:prstGeom>
+          <a:noFill/>
+          <a:ln w="0">
+            <a:noFill/>
+          </a:ln>
+        </p:spPr>
+        <p:txBody>
+          <a:bodyPr lIns="0" rIns="0" tIns="0" bIns="0" anchor="t">
+            <a:normAutofit fontScale="43333"/>
+          </a:bodyPr>
+          <a:p>
+            <a:pPr marL="432000" indent="-324000">
+              <a:spcBef>
+                <a:spcPts val="1417"/>
+              </a:spcBef>
+              <a:buClr>
+                <a:srgbClr val="000000"/>
+              </a:buClr>
+              <a:buSzPct val="45000"/>
+              <a:buFont typeface="Wingdings" charset="2"/>
+              <a:buChar char=""/>
+            </a:pPr>
+            <a:r>
+              <a:rPr b="0" lang="pl-PL" sz="1800" spc="-1" strike="noStrike">
+                <a:solidFill>
+                  <a:srgbClr val="000000"/>
+                </a:solidFill>
+                <a:latin typeface="Arial"/>
+              </a:rPr>
+              <a:t>Kliknij, aby edytować format tekstu konspektu</a:t>
+            </a:r>
+            <a:endParaRPr b="0" lang="pl-PL" sz="1800" spc="-1" strike="noStrike">
+              <a:solidFill>
+                <a:srgbClr val="000000"/>
+              </a:solidFill>
+              <a:latin typeface="Arial"/>
+            </a:endParaRPr>
+          </a:p>
+          <a:p>
+            <a:pPr lvl="1" marL="864000" indent="-324000">
+              <a:spcBef>
+                <a:spcPts val="1134"/>
+              </a:spcBef>
+              <a:buClr>
+                <a:srgbClr val="000000"/>
+              </a:buClr>
+              <a:buSzPct val="75000"/>
+              <a:buFont typeface="Symbol" charset="2"/>
+              <a:buChar char=""/>
+            </a:pPr>
+            <a:r>
+              <a:rPr b="0" lang="pl-PL" sz="1800" spc="-1" strike="noStrike">
+                <a:solidFill>
+                  <a:srgbClr val="000000"/>
+                </a:solidFill>
+                <a:latin typeface="Arial"/>
+              </a:rPr>
+              <a:t>Drugi poziom konspektu</a:t>
+            </a:r>
+            <a:endParaRPr b="0" lang="pl-PL" sz="1800" spc="-1" strike="noStrike">
+              <a:solidFill>
+                <a:srgbClr val="000000"/>
+              </a:solidFill>
+              <a:latin typeface="Arial"/>
+            </a:endParaRPr>
+          </a:p>
+          <a:p>
+            <a:pPr lvl="2" marL="1296000" indent="-288000">
+              <a:spcBef>
+                <a:spcPts val="850"/>
+              </a:spcBef>
+              <a:buClr>
+                <a:srgbClr val="000000"/>
+              </a:buClr>
+              <a:buSzPct val="45000"/>
+              <a:buFont typeface="Wingdings" charset="2"/>
+              <a:buChar char=""/>
+            </a:pPr>
+            <a:r>
+              <a:rPr b="0" lang="pl-PL" sz="1800" spc="-1" strike="noStrike">
+                <a:solidFill>
+                  <a:srgbClr val="000000"/>
+                </a:solidFill>
+                <a:latin typeface="Arial"/>
+              </a:rPr>
+              <a:t>Trzeci poziom konspektu</a:t>
+            </a:r>
+            <a:endParaRPr b="0" lang="pl-PL" sz="1800" spc="-1" strike="noStrike">
+              <a:solidFill>
+                <a:srgbClr val="000000"/>
+              </a:solidFill>
+              <a:latin typeface="Arial"/>
+            </a:endParaRPr>
+          </a:p>
+          <a:p>
+            <a:pPr lvl="3" marL="1728000" indent="-216000">
+              <a:spcBef>
+                <a:spcPts val="567"/>
+              </a:spcBef>
+              <a:buClr>
+                <a:srgbClr val="000000"/>
+              </a:buClr>
+              <a:buSzPct val="75000"/>
+              <a:buFont typeface="Symbol" charset="2"/>
+              <a:buChar char=""/>
+            </a:pPr>
+            <a:r>
+              <a:rPr b="0" lang="pl-PL" sz="1800" spc="-1" strike="noStrike">
+                <a:solidFill>
+                  <a:srgbClr val="000000"/>
+                </a:solidFill>
+                <a:latin typeface="Arial"/>
+              </a:rPr>
+              <a:t>Czwarty poziom konspektu</a:t>
+            </a:r>
+            <a:endParaRPr b="0" lang="pl-PL" sz="1800" spc="-1" strike="noStrike">
+              <a:solidFill>
+                <a:srgbClr val="000000"/>
+              </a:solidFill>
+              <a:latin typeface="Arial"/>
+            </a:endParaRPr>
+          </a:p>
+          <a:p>
+            <a:pPr lvl="4" marL="2160000" indent="-216000">
+              <a:spcBef>
+                <a:spcPts val="283"/>
+              </a:spcBef>
+              <a:buClr>
+                <a:srgbClr val="000000"/>
+              </a:buClr>
+              <a:buSzPct val="45000"/>
+              <a:buFont typeface="Wingdings" charset="2"/>
+              <a:buChar char=""/>
+            </a:pPr>
+            <a:r>
+              <a:rPr b="0" lang="pl-PL" sz="1800" spc="-1" strike="noStrike">
+                <a:solidFill>
+                  <a:srgbClr val="000000"/>
+                </a:solidFill>
+                <a:latin typeface="Arial"/>
+              </a:rPr>
+              <a:t>Piąty poziom konspektu</a:t>
+            </a:r>
+            <a:endParaRPr b="0" lang="pl-PL" sz="1800" spc="-1" strike="noStrike">
+              <a:solidFill>
+                <a:srgbClr val="000000"/>
+              </a:solidFill>
+              <a:latin typeface="Arial"/>
+            </a:endParaRPr>
+          </a:p>
+          <a:p>
+            <a:pPr lvl="5" marL="2592000" indent="-216000">
+              <a:spcBef>
+                <a:spcPts val="283"/>
+              </a:spcBef>
+              <a:buClr>
+                <a:srgbClr val="000000"/>
+              </a:buClr>
+              <a:buSzPct val="45000"/>
+              <a:buFont typeface="Wingdings" charset="2"/>
+              <a:buChar char=""/>
+            </a:pPr>
+            <a:r>
+              <a:rPr b="0" lang="pl-PL" sz="1800" spc="-1" strike="noStrike">
+                <a:solidFill>
+                  <a:srgbClr val="000000"/>
+                </a:solidFill>
+                <a:latin typeface="Arial"/>
+              </a:rPr>
+              <a:t>Szósty poziom konspektu</a:t>
+            </a:r>
+            <a:endParaRPr b="0" lang="pl-PL" sz="1800" spc="-1" strike="noStrike">
+              <a:solidFill>
+                <a:srgbClr val="000000"/>
+              </a:solidFill>
+              <a:latin typeface="Arial"/>
+            </a:endParaRPr>
+          </a:p>
+          <a:p>
+            <a:pPr lvl="6" marL="3024000" indent="-216000">
+              <a:spcBef>
+                <a:spcPts val="283"/>
+              </a:spcBef>
+              <a:buClr>
+                <a:srgbClr val="000000"/>
+              </a:buClr>
+              <a:buSzPct val="45000"/>
+              <a:buFont typeface="Wingdings" charset="2"/>
+              <a:buChar char=""/>
+            </a:pPr>
+            <a:r>
+              <a:rPr b="0" lang="pl-PL" sz="1800" spc="-1" strike="noStrike">
+                <a:solidFill>
+                  <a:srgbClr val="000000"/>
+                </a:solidFill>
+                <a:latin typeface="Arial"/>
+              </a:rPr>
+              <a:t>Siódmy poziom konspektu</a:t>
+            </a:r>
+            <a:endParaRPr b="0" lang="pl-PL" sz="1800" spc="-1" strike="noStrike">
+              <a:solidFill>
+                <a:srgbClr val="000000"/>
+              </a:solidFill>
+              <a:latin typeface="Arial"/>
+            </a:endParaRPr>
+          </a:p>
+        </p:txBody>
+      </p:sp>
+      <p:sp>
+        <p:nvSpPr>
+          <p:cNvPr id="2" name="PlaceHolder 3"/>
+          <p:cNvSpPr>
+            <a:spLocks noGrp="1"/>
+          </p:cNvSpPr>
+          <p:nvPr>
+            <p:ph type="body"/>
+          </p:nvPr>
+        </p:nvSpPr>
+        <p:spPr>
+          <a:xfrm>
+            <a:off x="4674240" y="1203480"/>
+            <a:ext cx="4015440" cy="1422360"/>
+          </a:xfrm>
+          <a:prstGeom prst="rect">
+            <a:avLst/>
+          </a:prstGeom>
+          <a:noFill/>
+          <a:ln w="0">
+            <a:noFill/>
+          </a:ln>
+        </p:spPr>
+        <p:txBody>
+          <a:bodyPr lIns="0" rIns="0" tIns="0" bIns="0" anchor="t">
+            <a:normAutofit fontScale="43333"/>
+          </a:bodyPr>
+          <a:p>
+            <a:pPr marL="432000" indent="-324000">
+              <a:spcBef>
+                <a:spcPts val="1417"/>
+              </a:spcBef>
+              <a:buClr>
+                <a:srgbClr val="000000"/>
+              </a:buClr>
+              <a:buSzPct val="45000"/>
+              <a:buFont typeface="Wingdings" charset="2"/>
+              <a:buChar char=""/>
+            </a:pPr>
+            <a:r>
+              <a:rPr b="0" lang="pl-PL" sz="1800" spc="-1" strike="noStrike">
+                <a:solidFill>
+                  <a:srgbClr val="000000"/>
+                </a:solidFill>
+                <a:latin typeface="Arial"/>
+              </a:rPr>
+              <a:t>Kliknij, aby edytować format tekstu konspektu</a:t>
+            </a:r>
+            <a:endParaRPr b="0" lang="pl-PL" sz="1800" spc="-1" strike="noStrike">
+              <a:solidFill>
+                <a:srgbClr val="000000"/>
+              </a:solidFill>
+              <a:latin typeface="Arial"/>
+            </a:endParaRPr>
+          </a:p>
+          <a:p>
+            <a:pPr lvl="1" marL="864000" indent="-324000">
+              <a:spcBef>
+                <a:spcPts val="1134"/>
+              </a:spcBef>
+              <a:buClr>
+                <a:srgbClr val="000000"/>
+              </a:buClr>
+              <a:buSzPct val="75000"/>
+              <a:buFont typeface="Symbol" charset="2"/>
+              <a:buChar char=""/>
+            </a:pPr>
+            <a:r>
+              <a:rPr b="0" lang="pl-PL" sz="1800" spc="-1" strike="noStrike">
+                <a:solidFill>
+                  <a:srgbClr val="000000"/>
+                </a:solidFill>
+                <a:latin typeface="Arial"/>
+              </a:rPr>
+              <a:t>Drugi poziom konspektu</a:t>
+            </a:r>
+            <a:endParaRPr b="0" lang="pl-PL" sz="1800" spc="-1" strike="noStrike">
+              <a:solidFill>
+                <a:srgbClr val="000000"/>
+              </a:solidFill>
+              <a:latin typeface="Arial"/>
+            </a:endParaRPr>
+          </a:p>
+          <a:p>
+            <a:pPr lvl="2" marL="1296000" indent="-288000">
+              <a:spcBef>
+                <a:spcPts val="850"/>
+              </a:spcBef>
+              <a:buClr>
+                <a:srgbClr val="000000"/>
+              </a:buClr>
+              <a:buSzPct val="45000"/>
+              <a:buFont typeface="Wingdings" charset="2"/>
+              <a:buChar char=""/>
+            </a:pPr>
+            <a:r>
+              <a:rPr b="0" lang="pl-PL" sz="1800" spc="-1" strike="noStrike">
+                <a:solidFill>
+                  <a:srgbClr val="000000"/>
+                </a:solidFill>
+                <a:latin typeface="Arial"/>
+              </a:rPr>
+              <a:t>Trzeci poziom konspektu</a:t>
+            </a:r>
+            <a:endParaRPr b="0" lang="pl-PL" sz="1800" spc="-1" strike="noStrike">
+              <a:solidFill>
+                <a:srgbClr val="000000"/>
+              </a:solidFill>
+              <a:latin typeface="Arial"/>
+            </a:endParaRPr>
+          </a:p>
+          <a:p>
+            <a:pPr lvl="3" marL="1728000" indent="-216000">
+              <a:spcBef>
+                <a:spcPts val="567"/>
+              </a:spcBef>
+              <a:buClr>
+                <a:srgbClr val="000000"/>
+              </a:buClr>
+              <a:buSzPct val="75000"/>
+              <a:buFont typeface="Symbol" charset="2"/>
+              <a:buChar char=""/>
+            </a:pPr>
+            <a:r>
+              <a:rPr b="0" lang="pl-PL" sz="1800" spc="-1" strike="noStrike">
+                <a:solidFill>
+                  <a:srgbClr val="000000"/>
+                </a:solidFill>
+                <a:latin typeface="Arial"/>
+              </a:rPr>
+              <a:t>Czwarty poziom konspektu</a:t>
+            </a:r>
+            <a:endParaRPr b="0" lang="pl-PL" sz="1800" spc="-1" strike="noStrike">
+              <a:solidFill>
+                <a:srgbClr val="000000"/>
+              </a:solidFill>
+              <a:latin typeface="Arial"/>
+            </a:endParaRPr>
+          </a:p>
+          <a:p>
+            <a:pPr lvl="4" marL="2160000" indent="-216000">
+              <a:spcBef>
+                <a:spcPts val="283"/>
+              </a:spcBef>
+              <a:buClr>
+                <a:srgbClr val="000000"/>
+              </a:buClr>
+              <a:buSzPct val="45000"/>
+              <a:buFont typeface="Wingdings" charset="2"/>
+              <a:buChar char=""/>
+            </a:pPr>
+            <a:r>
+              <a:rPr b="0" lang="pl-PL" sz="1800" spc="-1" strike="noStrike">
+                <a:solidFill>
+                  <a:srgbClr val="000000"/>
+                </a:solidFill>
+                <a:latin typeface="Arial"/>
+              </a:rPr>
+              <a:t>Piąty poziom konspektu</a:t>
+            </a:r>
+            <a:endParaRPr b="0" lang="pl-PL" sz="1800" spc="-1" strike="noStrike">
+              <a:solidFill>
+                <a:srgbClr val="000000"/>
+              </a:solidFill>
+              <a:latin typeface="Arial"/>
+            </a:endParaRPr>
+          </a:p>
+          <a:p>
+            <a:pPr lvl="5" marL="2592000" indent="-216000">
+              <a:spcBef>
+                <a:spcPts val="283"/>
+              </a:spcBef>
+              <a:buClr>
+                <a:srgbClr val="000000"/>
+              </a:buClr>
+              <a:buSzPct val="45000"/>
+              <a:buFont typeface="Wingdings" charset="2"/>
+              <a:buChar char=""/>
+            </a:pPr>
+            <a:r>
+              <a:rPr b="0" lang="pl-PL" sz="1800" spc="-1" strike="noStrike">
+                <a:solidFill>
+                  <a:srgbClr val="000000"/>
+                </a:solidFill>
+                <a:latin typeface="Arial"/>
+              </a:rPr>
+              <a:t>Szósty poziom konspektu</a:t>
+            </a:r>
+            <a:endParaRPr b="0" lang="pl-PL" sz="1800" spc="-1" strike="noStrike">
+              <a:solidFill>
+                <a:srgbClr val="000000"/>
+              </a:solidFill>
+              <a:latin typeface="Arial"/>
+            </a:endParaRPr>
+          </a:p>
+          <a:p>
+            <a:pPr lvl="6" marL="3024000" indent="-216000">
+              <a:spcBef>
+                <a:spcPts val="283"/>
+              </a:spcBef>
+              <a:buClr>
+                <a:srgbClr val="000000"/>
+              </a:buClr>
+              <a:buSzPct val="45000"/>
+              <a:buFont typeface="Wingdings" charset="2"/>
+              <a:buChar char=""/>
+            </a:pPr>
+            <a:r>
+              <a:rPr b="0" lang="pl-PL" sz="1800" spc="-1" strike="noStrike">
+                <a:solidFill>
+                  <a:srgbClr val="000000"/>
+                </a:solidFill>
+                <a:latin typeface="Arial"/>
+              </a:rPr>
+              <a:t>Siódmy poziom konspektu</a:t>
+            </a:r>
+            <a:endParaRPr b="0" lang="pl-PL" sz="1800" spc="-1" strike="noStrike">
+              <a:solidFill>
+                <a:srgbClr val="000000"/>
+              </a:solidFill>
+              <a:latin typeface="Arial"/>
+            </a:endParaRPr>
+          </a:p>
+        </p:txBody>
+      </p:sp>
+      <p:sp>
+        <p:nvSpPr>
+          <p:cNvPr id="3" name="PlaceHolder 4"/>
+          <p:cNvSpPr>
+            <a:spLocks noGrp="1"/>
+          </p:cNvSpPr>
+          <p:nvPr>
+            <p:ph type="body"/>
+          </p:nvPr>
+        </p:nvSpPr>
+        <p:spPr>
+          <a:xfrm>
+            <a:off x="457200" y="2761920"/>
+            <a:ext cx="8228880" cy="1422360"/>
+          </a:xfrm>
+          <a:prstGeom prst="rect">
+            <a:avLst/>
+          </a:prstGeom>
+          <a:noFill/>
+          <a:ln w="0">
+            <a:noFill/>
+          </a:ln>
+        </p:spPr>
+        <p:txBody>
+          <a:bodyPr lIns="0" rIns="0" tIns="0" bIns="0" anchor="t">
+            <a:normAutofit fontScale="50000"/>
+          </a:bodyPr>
+          <a:p>
+            <a:pPr marL="432000" indent="-324000">
+              <a:spcBef>
+                <a:spcPts val="1417"/>
+              </a:spcBef>
+              <a:buClr>
+                <a:srgbClr val="000000"/>
+              </a:buClr>
+              <a:buSzPct val="45000"/>
+              <a:buFont typeface="Wingdings" charset="2"/>
+              <a:buChar char=""/>
+            </a:pPr>
+            <a:r>
+              <a:rPr b="0" lang="pl-PL" sz="1800" spc="-1" strike="noStrike">
+                <a:solidFill>
+                  <a:srgbClr val="000000"/>
+                </a:solidFill>
+                <a:latin typeface="Arial"/>
+              </a:rPr>
+              <a:t>Kliknij, aby edytować format tekstu konspektu</a:t>
+            </a:r>
+            <a:endParaRPr b="0" lang="pl-PL" sz="1800" spc="-1" strike="noStrike">
+              <a:solidFill>
+                <a:srgbClr val="000000"/>
+              </a:solidFill>
+              <a:latin typeface="Arial"/>
+            </a:endParaRPr>
+          </a:p>
+          <a:p>
+            <a:pPr lvl="1" marL="864000" indent="-324000">
+              <a:spcBef>
+                <a:spcPts val="1134"/>
+              </a:spcBef>
+              <a:buClr>
+                <a:srgbClr val="000000"/>
+              </a:buClr>
+              <a:buSzPct val="75000"/>
+              <a:buFont typeface="Symbol" charset="2"/>
+              <a:buChar char=""/>
+            </a:pPr>
+            <a:r>
+              <a:rPr b="0" lang="pl-PL" sz="1800" spc="-1" strike="noStrike">
+                <a:solidFill>
+                  <a:srgbClr val="000000"/>
+                </a:solidFill>
+                <a:latin typeface="Arial"/>
+              </a:rPr>
+              <a:t>Drugi poziom konspektu</a:t>
+            </a:r>
+            <a:endParaRPr b="0" lang="pl-PL" sz="1800" spc="-1" strike="noStrike">
+              <a:solidFill>
+                <a:srgbClr val="000000"/>
+              </a:solidFill>
+              <a:latin typeface="Arial"/>
+            </a:endParaRPr>
+          </a:p>
+          <a:p>
+            <a:pPr lvl="2" marL="1296000" indent="-288000">
+              <a:spcBef>
+                <a:spcPts val="850"/>
+              </a:spcBef>
+              <a:buClr>
+                <a:srgbClr val="000000"/>
+              </a:buClr>
+              <a:buSzPct val="45000"/>
+              <a:buFont typeface="Wingdings" charset="2"/>
+              <a:buChar char=""/>
+            </a:pPr>
+            <a:r>
+              <a:rPr b="0" lang="pl-PL" sz="1800" spc="-1" strike="noStrike">
+                <a:solidFill>
+                  <a:srgbClr val="000000"/>
+                </a:solidFill>
+                <a:latin typeface="Arial"/>
+              </a:rPr>
+              <a:t>Trzeci poziom konspektu</a:t>
+            </a:r>
+            <a:endParaRPr b="0" lang="pl-PL" sz="1800" spc="-1" strike="noStrike">
+              <a:solidFill>
+                <a:srgbClr val="000000"/>
+              </a:solidFill>
+              <a:latin typeface="Arial"/>
+            </a:endParaRPr>
+          </a:p>
+          <a:p>
+            <a:pPr lvl="3" marL="1728000" indent="-216000">
+              <a:spcBef>
+                <a:spcPts val="567"/>
+              </a:spcBef>
+              <a:buClr>
+                <a:srgbClr val="000000"/>
+              </a:buClr>
+              <a:buSzPct val="75000"/>
+              <a:buFont typeface="Symbol" charset="2"/>
+              <a:buChar char=""/>
+            </a:pPr>
+            <a:r>
+              <a:rPr b="0" lang="pl-PL" sz="1800" spc="-1" strike="noStrike">
+                <a:solidFill>
+                  <a:srgbClr val="000000"/>
+                </a:solidFill>
+                <a:latin typeface="Arial"/>
+              </a:rPr>
+              <a:t>Czwarty poziom konspektu</a:t>
+            </a:r>
+            <a:endParaRPr b="0" lang="pl-PL" sz="1800" spc="-1" strike="noStrike">
+              <a:solidFill>
+                <a:srgbClr val="000000"/>
+              </a:solidFill>
+              <a:latin typeface="Arial"/>
+            </a:endParaRPr>
+          </a:p>
+          <a:p>
+            <a:pPr lvl="4" marL="2160000" indent="-216000">
+              <a:spcBef>
+                <a:spcPts val="283"/>
+              </a:spcBef>
+              <a:buClr>
+                <a:srgbClr val="000000"/>
+              </a:buClr>
+              <a:buSzPct val="45000"/>
+              <a:buFont typeface="Wingdings" charset="2"/>
+              <a:buChar char=""/>
+            </a:pPr>
+            <a:r>
+              <a:rPr b="0" lang="pl-PL" sz="1800" spc="-1" strike="noStrike">
+                <a:solidFill>
+                  <a:srgbClr val="000000"/>
+                </a:solidFill>
+                <a:latin typeface="Arial"/>
+              </a:rPr>
+              <a:t>Piąty poziom konspektu</a:t>
+            </a:r>
+            <a:endParaRPr b="0" lang="pl-PL" sz="1800" spc="-1" strike="noStrike">
+              <a:solidFill>
+                <a:srgbClr val="000000"/>
+              </a:solidFill>
+              <a:latin typeface="Arial"/>
+            </a:endParaRPr>
+          </a:p>
+          <a:p>
+            <a:pPr lvl="5" marL="2592000" indent="-216000">
+              <a:spcBef>
+                <a:spcPts val="283"/>
+              </a:spcBef>
+              <a:buClr>
+                <a:srgbClr val="000000"/>
+              </a:buClr>
+              <a:buSzPct val="45000"/>
+              <a:buFont typeface="Wingdings" charset="2"/>
+              <a:buChar char=""/>
+            </a:pPr>
+            <a:r>
+              <a:rPr b="0" lang="pl-PL" sz="1800" spc="-1" strike="noStrike">
+                <a:solidFill>
+                  <a:srgbClr val="000000"/>
+                </a:solidFill>
+                <a:latin typeface="Arial"/>
+              </a:rPr>
+              <a:t>Szósty poziom konspektu</a:t>
+            </a:r>
+            <a:endParaRPr b="0" lang="pl-PL" sz="1800" spc="-1" strike="noStrike">
+              <a:solidFill>
+                <a:srgbClr val="000000"/>
+              </a:solidFill>
+              <a:latin typeface="Arial"/>
+            </a:endParaRPr>
+          </a:p>
+          <a:p>
+            <a:pPr lvl="6" marL="3024000" indent="-216000">
+              <a:spcBef>
+                <a:spcPts val="283"/>
+              </a:spcBef>
+              <a:buClr>
+                <a:srgbClr val="000000"/>
+              </a:buClr>
+              <a:buSzPct val="45000"/>
+              <a:buFont typeface="Wingdings" charset="2"/>
+              <a:buChar char=""/>
+            </a:pPr>
+            <a:r>
+              <a:rPr b="0" lang="pl-PL" sz="1800" spc="-1" strike="noStrike">
+                <a:solidFill>
+                  <a:srgbClr val="000000"/>
+                </a:solidFill>
+                <a:latin typeface="Arial"/>
+              </a:rPr>
+              <a:t>Siódmy poziom konspektu</a:t>
+            </a:r>
+            <a:endParaRPr b="0" lang="pl-PL" sz="1800" spc="-1" strike="noStrike">
+              <a:solidFill>
+                <a:srgbClr val="000000"/>
+              </a:solidFill>
+              <a:latin typeface="Arial"/>
+            </a:endParaRPr>
+          </a:p>
+        </p:txBody>
+      </p:sp>
+      <p:sp>
+        <p:nvSpPr>
+          <p:cNvPr id="4" name="PlaceHolder 5"/>
           <p:cNvSpPr>
             <a:spLocks noGrp="1"/>
           </p:cNvSpPr>
@@ -2118,7 +2793,7 @@
         <p:spPr>
           <a:xfrm>
             <a:off x="8472600" y="4663080"/>
-            <a:ext cx="548280" cy="393120"/>
+            <a:ext cx="547920" cy="392760"/>
           </a:xfrm>
           <a:prstGeom prst="rect">
             <a:avLst/>
@@ -2130,7 +2805,7 @@
         </p:spPr>
         <p:txBody>
           <a:bodyPr lIns="91440" rIns="91440" tIns="91440" bIns="91440" anchor="ctr">
-            <a:normAutofit/>
+            <a:noAutofit/>
           </a:bodyPr>
           <a:lstStyle>
             <a:lvl1pPr indent="0" algn="r">
@@ -2160,7 +2835,7 @@
                 <a:tab algn="l" pos="0"/>
               </a:tabLst>
             </a:pPr>
-            <a:fld id="{31AFAD9D-C220-4FA9-BC7D-CD4DE59CD416}" type="slidenum">
+            <a:fld id="{383A2251-EC32-4A25-A911-4B4B48A68B59}" type="slidenum">
               <a:rPr b="0" lang="pl" sz="1000" spc="-1" strike="noStrike">
                 <a:solidFill>
                   <a:schemeClr val="dk2"/>
@@ -2175,231 +2850,6 @@
                 <a:srgbClr val="000000"/>
               </a:solidFill>
               <a:latin typeface="Times New Roman"/>
-            </a:endParaRPr>
-          </a:p>
-        </p:txBody>
-      </p:sp>
-      <p:sp>
-        <p:nvSpPr>
-          <p:cNvPr id="2" name="PlaceHolder 3"/>
-          <p:cNvSpPr>
-            <a:spLocks noGrp="1"/>
-          </p:cNvSpPr>
-          <p:nvPr>
-            <p:ph type="body"/>
-          </p:nvPr>
-        </p:nvSpPr>
-        <p:spPr>
-          <a:xfrm>
-            <a:off x="457200" y="1203480"/>
-            <a:ext cx="8229240" cy="2982960"/>
-          </a:xfrm>
-          <a:prstGeom prst="rect">
-            <a:avLst/>
-          </a:prstGeom>
-          <a:noFill/>
-          <a:ln w="0">
-            <a:noFill/>
-          </a:ln>
-        </p:spPr>
-        <p:txBody>
-          <a:bodyPr lIns="0" rIns="0" tIns="0" bIns="0" anchor="t">
-            <a:normAutofit/>
-          </a:bodyPr>
-          <a:p>
-            <a:pPr marL="432000" indent="-324000">
-              <a:spcBef>
-                <a:spcPts val="1417"/>
-              </a:spcBef>
-              <a:buClr>
-                <a:srgbClr val="000000"/>
-              </a:buClr>
-              <a:buSzPct val="45000"/>
-              <a:buFont typeface="Wingdings" charset="2"/>
-              <a:buChar char=""/>
-            </a:pPr>
-            <a:r>
-              <a:rPr b="0" lang="pl-PL" sz="1400" spc="-1" strike="noStrike">
-                <a:solidFill>
-                  <a:srgbClr val="000000"/>
-                </a:solidFill>
-                <a:latin typeface="Arial"/>
-              </a:rPr>
-              <a:t>Kliknij, aby edytować format tekstu konspektu</a:t>
-            </a:r>
-            <a:endParaRPr b="0" lang="pl-PL" sz="1400" spc="-1" strike="noStrike">
-              <a:solidFill>
-                <a:srgbClr val="000000"/>
-              </a:solidFill>
-              <a:latin typeface="Arial"/>
-            </a:endParaRPr>
-          </a:p>
-          <a:p>
-            <a:pPr lvl="1" marL="864000" indent="-324000">
-              <a:spcBef>
-                <a:spcPts val="1134"/>
-              </a:spcBef>
-              <a:buClr>
-                <a:srgbClr val="000000"/>
-              </a:buClr>
-              <a:buSzPct val="75000"/>
-              <a:buFont typeface="Symbol" charset="2"/>
-              <a:buChar char=""/>
-            </a:pPr>
-            <a:r>
-              <a:rPr b="0" lang="pl-PL" sz="1400" spc="-1" strike="noStrike">
-                <a:solidFill>
-                  <a:srgbClr val="000000"/>
-                </a:solidFill>
-                <a:latin typeface="Arial"/>
-              </a:rPr>
-              <a:t>Drugi poziom konspektu</a:t>
-            </a:r>
-            <a:endParaRPr b="0" lang="pl-PL" sz="1400" spc="-1" strike="noStrike">
-              <a:solidFill>
-                <a:srgbClr val="000000"/>
-              </a:solidFill>
-              <a:latin typeface="Arial"/>
-            </a:endParaRPr>
-          </a:p>
-          <a:p>
-            <a:pPr lvl="2" marL="1296000" indent="-288000">
-              <a:spcBef>
-                <a:spcPts val="850"/>
-              </a:spcBef>
-              <a:buClr>
-                <a:srgbClr val="000000"/>
-              </a:buClr>
-              <a:buSzPct val="45000"/>
-              <a:buFont typeface="Wingdings" charset="2"/>
-              <a:buChar char=""/>
-            </a:pPr>
-            <a:r>
-              <a:rPr b="0" lang="pl-PL" sz="1400" spc="-1" strike="noStrike">
-                <a:solidFill>
-                  <a:srgbClr val="000000"/>
-                </a:solidFill>
-                <a:latin typeface="Arial"/>
-              </a:rPr>
-              <a:t>Trzeci poziom konspektu</a:t>
-            </a:r>
-            <a:endParaRPr b="0" lang="pl-PL" sz="1400" spc="-1" strike="noStrike">
-              <a:solidFill>
-                <a:srgbClr val="000000"/>
-              </a:solidFill>
-              <a:latin typeface="Arial"/>
-            </a:endParaRPr>
-          </a:p>
-          <a:p>
-            <a:pPr lvl="3" marL="1728000" indent="-216000">
-              <a:spcBef>
-                <a:spcPts val="567"/>
-              </a:spcBef>
-              <a:buClr>
-                <a:srgbClr val="000000"/>
-              </a:buClr>
-              <a:buSzPct val="75000"/>
-              <a:buFont typeface="Symbol" charset="2"/>
-              <a:buChar char=""/>
-            </a:pPr>
-            <a:r>
-              <a:rPr b="0" lang="pl-PL" sz="1400" spc="-1" strike="noStrike">
-                <a:solidFill>
-                  <a:srgbClr val="000000"/>
-                </a:solidFill>
-                <a:latin typeface="Arial"/>
-              </a:rPr>
-              <a:t>Czwarty poziom konspektu</a:t>
-            </a:r>
-            <a:endParaRPr b="0" lang="pl-PL" sz="1400" spc="-1" strike="noStrike">
-              <a:solidFill>
-                <a:srgbClr val="000000"/>
-              </a:solidFill>
-              <a:latin typeface="Arial"/>
-            </a:endParaRPr>
-          </a:p>
-          <a:p>
-            <a:pPr lvl="4" marL="2160000" indent="-216000">
-              <a:spcBef>
-                <a:spcPts val="283"/>
-              </a:spcBef>
-              <a:buClr>
-                <a:srgbClr val="000000"/>
-              </a:buClr>
-              <a:buSzPct val="45000"/>
-              <a:buFont typeface="Wingdings" charset="2"/>
-              <a:buChar char=""/>
-            </a:pPr>
-            <a:r>
-              <a:rPr b="0" lang="pl-PL" sz="2000" spc="-1" strike="noStrike">
-                <a:solidFill>
-                  <a:srgbClr val="000000"/>
-                </a:solidFill>
-                <a:latin typeface="Arial"/>
-              </a:rPr>
-              <a:t>Piąty poziom konspektu</a:t>
-            </a:r>
-            <a:endParaRPr b="0" lang="pl-PL" sz="2000" spc="-1" strike="noStrike">
-              <a:solidFill>
-                <a:srgbClr val="000000"/>
-              </a:solidFill>
-              <a:latin typeface="Arial"/>
-            </a:endParaRPr>
-          </a:p>
-          <a:p>
-            <a:pPr lvl="5" marL="2592000" indent="-216000">
-              <a:spcBef>
-                <a:spcPts val="283"/>
-              </a:spcBef>
-              <a:buClr>
-                <a:srgbClr val="000000"/>
-              </a:buClr>
-              <a:buSzPct val="45000"/>
-              <a:buFont typeface="Wingdings" charset="2"/>
-              <a:buChar char=""/>
-            </a:pPr>
-            <a:r>
-              <a:rPr b="0" lang="pl-PL" sz="2000" spc="-1" strike="noStrike">
-                <a:solidFill>
-                  <a:srgbClr val="000000"/>
-                </a:solidFill>
-                <a:latin typeface="Arial"/>
-              </a:rPr>
-              <a:t>Szósty poziom konspektu</a:t>
-            </a:r>
-            <a:endParaRPr b="0" lang="pl-PL" sz="2000" spc="-1" strike="noStrike">
-              <a:solidFill>
-                <a:srgbClr val="000000"/>
-              </a:solidFill>
-              <a:latin typeface="Arial"/>
-            </a:endParaRPr>
-          </a:p>
-          <a:p>
-            <a:pPr lvl="6" marL="3024000" indent="-216000">
-              <a:spcBef>
-                <a:spcPts val="283"/>
-              </a:spcBef>
-              <a:buClr>
-                <a:srgbClr val="000000"/>
-              </a:buClr>
-              <a:buSzPct val="45000"/>
-              <a:buFont typeface="Wingdings" charset="2"/>
-              <a:buChar char=""/>
-            </a:pPr>
-            <a:r>
-              <a:rPr b="0" lang="pl-PL" sz="2000" spc="-1" strike="noStrike">
-                <a:solidFill>
-                  <a:srgbClr val="000000"/>
-                </a:solidFill>
-                <a:latin typeface="Arial"/>
-              </a:rPr>
-              <a:t>Siódmy poziom konspektu</a:t>
-            </a:r>
-            <a:endParaRPr b="0" lang="pl-PL" sz="2000" spc="-1" strike="noStrike">
-              <a:solidFill>
-                <a:srgbClr val="000000"/>
-              </a:solidFill>
-              <a:latin typeface="Arial"/>
             </a:endParaRPr>
           </a:p>
         </p:txBody>
@@ -2443,7 +2893,7 @@
       </p:grpSpPr>
       <p:pic>
         <p:nvPicPr>
-          <p:cNvPr id="39" name="Google Shape;54;p13" descr="C:\Users\user\AppData\Local\Microsoft\Windows\INetCache\Content.Word\AT_WP_RGB_noBG.PNG"/>
+          <p:cNvPr id="41" name="Google Shape;54;p13" descr="C:\Users\user\AppData\Local\Microsoft\Windows\INetCache\Content.Word\AT_WP_RGB_noBG.PNG"/>
           <p:cNvPicPr/>
           <p:nvPr/>
         </p:nvPicPr>
@@ -2455,7 +2905,7 @@
         <p:spPr>
           <a:xfrm>
             <a:off x="3116880" y="167760"/>
-            <a:ext cx="2909880" cy="1476000"/>
+            <a:ext cx="2909520" cy="1475640"/>
           </a:xfrm>
           <a:prstGeom prst="rect">
             <a:avLst/>
@@ -2467,14 +2917,14 @@
       </p:pic>
       <p:sp>
         <p:nvSpPr>
-          <p:cNvPr id="40" name="Google Shape;55;p13"/>
+          <p:cNvPr id="42" name="Google Shape;55;p13"/>
           <p:cNvSpPr/>
           <p:nvPr/>
         </p:nvSpPr>
         <p:spPr>
           <a:xfrm>
             <a:off x="2452680" y="2070720"/>
-            <a:ext cx="4238280" cy="1348200"/>
+            <a:ext cx="4237920" cy="1348200"/>
           </a:xfrm>
           <a:prstGeom prst="rect">
             <a:avLst/>
@@ -2491,7 +2941,7 @@
           <a:fontRef idx="minor"/>
         </p:style>
         <p:txBody>
-          <a:bodyPr tIns="91440" bIns="91440" anchor="t">
+          <a:bodyPr lIns="90000" rIns="90000" tIns="91440" bIns="91440" anchor="t">
             <a:spAutoFit/>
           </a:bodyPr>
           <a:p>
@@ -2550,14 +3000,14 @@
       </p:sp>
       <p:sp>
         <p:nvSpPr>
-          <p:cNvPr id="41" name="Google Shape;56;p13"/>
+          <p:cNvPr id="43" name="Google Shape;56;p13"/>
           <p:cNvSpPr/>
           <p:nvPr/>
         </p:nvSpPr>
         <p:spPr>
           <a:xfrm>
             <a:off x="8085960" y="4593240"/>
-            <a:ext cx="817560" cy="412560"/>
+            <a:ext cx="817200" cy="412200"/>
           </a:xfrm>
           <a:prstGeom prst="rect">
             <a:avLst/>
@@ -2574,7 +3024,7 @@
           <a:fontRef idx="minor"/>
         </p:style>
         <p:txBody>
-          <a:bodyPr tIns="91440" bIns="91440" anchor="ctr">
+          <a:bodyPr lIns="90000" rIns="90000" tIns="91440" bIns="91440" anchor="ctr">
             <a:noAutofit/>
           </a:bodyPr>
           <a:p>
@@ -2607,14 +3057,14 @@
       </p:sp>
       <p:sp>
         <p:nvSpPr>
-          <p:cNvPr id="42" name="Google Shape;57;p13"/>
+          <p:cNvPr id="44" name="Google Shape;57;p13"/>
           <p:cNvSpPr/>
           <p:nvPr/>
         </p:nvSpPr>
         <p:spPr>
           <a:xfrm>
             <a:off x="540000" y="3867120"/>
-            <a:ext cx="2682360" cy="725760"/>
+            <a:ext cx="3060000" cy="725400"/>
           </a:xfrm>
           <a:prstGeom prst="rect">
             <a:avLst/>
@@ -2631,7 +3081,7 @@
           <a:fontRef idx="minor"/>
         </p:style>
         <p:txBody>
-          <a:bodyPr tIns="91440" bIns="91440" anchor="ctr">
+          <a:bodyPr lIns="90000" rIns="90000" tIns="91440" bIns="91440" anchor="ctr">
             <a:noAutofit/>
           </a:bodyPr>
           <a:p>
@@ -2664,7 +3114,7 @@
                 <a:latin typeface="Arial"/>
                 <a:ea typeface="Arial"/>
               </a:rPr>
-              <a:t>dr inż. Daniel Król</a:t>
+              <a:t>dr inż. Daniel Król, prof. AT</a:t>
             </a:r>
             <a:endParaRPr b="0" lang="pl-PL" sz="1800" spc="-1" strike="noStrike">
               <a:solidFill>
@@ -2677,14 +3127,14 @@
       </p:sp>
       <p:sp>
         <p:nvSpPr>
-          <p:cNvPr id="43" name="Google Shape;58;p13"/>
+          <p:cNvPr id="45" name="Google Shape;58;p13"/>
           <p:cNvSpPr/>
           <p:nvPr/>
         </p:nvSpPr>
         <p:spPr>
           <a:xfrm>
             <a:off x="6304680" y="3867120"/>
-            <a:ext cx="2189520" cy="725760"/>
+            <a:ext cx="2189160" cy="725400"/>
           </a:xfrm>
           <a:prstGeom prst="rect">
             <a:avLst/>
@@ -2701,7 +3151,7 @@
           <a:fontRef idx="minor"/>
         </p:style>
         <p:txBody>
-          <a:bodyPr tIns="91440" bIns="91440" anchor="ctr">
+          <a:bodyPr lIns="90000" rIns="90000" tIns="91440" bIns="91440" anchor="ctr">
             <a:noAutofit/>
           </a:bodyPr>
           <a:p>
@@ -2747,14 +3197,14 @@
       </p:sp>
       <p:sp>
         <p:nvSpPr>
-          <p:cNvPr id="44" name="Google Shape;59;p13"/>
+          <p:cNvPr id="46" name="Google Shape;59;p13"/>
           <p:cNvSpPr/>
           <p:nvPr/>
         </p:nvSpPr>
         <p:spPr>
           <a:xfrm>
             <a:off x="3169440" y="1376640"/>
-            <a:ext cx="2804760" cy="267120"/>
+            <a:ext cx="2804400" cy="266760"/>
           </a:xfrm>
           <a:prstGeom prst="rect">
             <a:avLst/>
@@ -2774,7 +3224,7 @@
           <a:fontRef idx="minor"/>
         </p:style>
         <p:txBody>
-          <a:bodyPr tIns="91440" bIns="91440" anchor="ctr">
+          <a:bodyPr lIns="90000" rIns="90000" tIns="91440" bIns="91440" anchor="ctr">
             <a:noAutofit/>
           </a:bodyPr>
           <a:p>
@@ -2837,14 +3287,14 @@
       </p:grpSpPr>
       <p:sp>
         <p:nvSpPr>
-          <p:cNvPr id="45" name="Google Shape;64;p14"/>
+          <p:cNvPr id="47" name="Google Shape;64;p14"/>
           <p:cNvSpPr/>
           <p:nvPr/>
         </p:nvSpPr>
         <p:spPr>
           <a:xfrm>
             <a:off x="8085960" y="4593240"/>
-            <a:ext cx="817560" cy="412560"/>
+            <a:ext cx="817200" cy="412200"/>
           </a:xfrm>
           <a:prstGeom prst="rect">
             <a:avLst/>
@@ -2861,7 +3311,7 @@
           <a:fontRef idx="minor"/>
         </p:style>
         <p:txBody>
-          <a:bodyPr tIns="91440" bIns="91440" anchor="ctr">
+          <a:bodyPr lIns="90000" rIns="90000" tIns="91440" bIns="91440" anchor="ctr">
             <a:noAutofit/>
           </a:bodyPr>
           <a:p>
@@ -2894,14 +3344,14 @@
       </p:sp>
       <p:sp>
         <p:nvSpPr>
-          <p:cNvPr id="46" name="Google Shape;65;p14"/>
+          <p:cNvPr id="48" name="Google Shape;65;p14"/>
           <p:cNvSpPr/>
           <p:nvPr/>
         </p:nvSpPr>
         <p:spPr>
           <a:xfrm>
             <a:off x="0" y="416520"/>
-            <a:ext cx="2995560" cy="523080"/>
+            <a:ext cx="2995200" cy="522720"/>
           </a:xfrm>
           <a:prstGeom prst="homePlate">
             <a:avLst>
@@ -2925,7 +3375,7 @@
           <a:fontRef idx="minor"/>
         </p:style>
         <p:txBody>
-          <a:bodyPr tIns="91440" bIns="91440" anchor="ctr">
+          <a:bodyPr lIns="90000" rIns="90000" tIns="91440" bIns="91440" anchor="ctr">
             <a:noAutofit/>
           </a:bodyPr>
           <a:p>
@@ -2958,14 +3408,14 @@
       </p:sp>
       <p:sp>
         <p:nvSpPr>
-          <p:cNvPr id="47" name="Google Shape;67;p14"/>
+          <p:cNvPr id="49" name="Google Shape;67;p14"/>
           <p:cNvSpPr/>
           <p:nvPr/>
         </p:nvSpPr>
         <p:spPr>
           <a:xfrm>
             <a:off x="4320000" y="4320000"/>
-            <a:ext cx="3780000" cy="112320"/>
+            <a:ext cx="3779640" cy="111960"/>
           </a:xfrm>
           <a:prstGeom prst="rect">
             <a:avLst/>
@@ -2982,7 +3432,7 @@
           <a:fontRef idx="minor"/>
         </p:style>
         <p:txBody>
-          <a:bodyPr tIns="51480" bIns="51480" anchor="ctr">
+          <a:bodyPr lIns="90000" rIns="90000" tIns="51480" bIns="51480" anchor="ctr">
             <a:noAutofit/>
           </a:bodyPr>
           <a:p>
@@ -3015,14 +3465,14 @@
       </p:sp>
       <p:sp>
         <p:nvSpPr>
-          <p:cNvPr id="48" name="Google Shape;68;p14"/>
+          <p:cNvPr id="50" name="Google Shape;68;p14"/>
           <p:cNvSpPr/>
           <p:nvPr/>
         </p:nvSpPr>
         <p:spPr>
           <a:xfrm>
             <a:off x="388800" y="1620000"/>
-            <a:ext cx="3571200" cy="2972880"/>
+            <a:ext cx="3570840" cy="2972520"/>
           </a:xfrm>
           <a:prstGeom prst="rect">
             <a:avLst/>
@@ -3039,7 +3489,7 @@
           <a:fontRef idx="minor"/>
         </p:style>
         <p:txBody>
-          <a:bodyPr tIns="91440" bIns="91440" anchor="t">
+          <a:bodyPr lIns="90000" rIns="90000" tIns="91440" bIns="91440" anchor="t">
             <a:noAutofit/>
           </a:bodyPr>
           <a:p>
@@ -3061,7 +3511,7 @@
                 <a:latin typeface="Arial"/>
                 <a:ea typeface="Arial"/>
               </a:rPr>
-              <a:t>Sterowanie kurtyną wodną przy pomocy Bluetooth Low Energy oraz wi-fi</a:t>
+              <a:t>Sterowanie kurtyną wodną przy pomocy Bluetooth Low Energy oraz serwera HTTP REST</a:t>
             </a:r>
             <a:endParaRPr b="0" lang="pl-PL" sz="1200" spc="-1" strike="noStrike">
               <a:solidFill>
@@ -3286,7 +3736,7 @@
       </p:sp>
       <p:pic>
         <p:nvPicPr>
-          <p:cNvPr id="49" name="" descr=""/>
+          <p:cNvPr id="51" name="" descr=""/>
           <p:cNvPicPr/>
           <p:nvPr/>
         </p:nvPicPr>
@@ -3297,7 +3747,7 @@
         <p:spPr>
           <a:xfrm>
             <a:off x="3960000" y="1156680"/>
-            <a:ext cx="4680000" cy="2803320"/>
+            <a:ext cx="4679640" cy="2802960"/>
           </a:xfrm>
           <a:prstGeom prst="rect">
             <a:avLst/>
@@ -3339,14 +3789,14 @@
       </p:grpSpPr>
       <p:sp>
         <p:nvSpPr>
-          <p:cNvPr id="50" name="Google Shape;73;p15"/>
+          <p:cNvPr id="52" name="Google Shape;73;p15"/>
           <p:cNvSpPr/>
           <p:nvPr/>
         </p:nvSpPr>
         <p:spPr>
           <a:xfrm>
             <a:off x="8085960" y="4593240"/>
-            <a:ext cx="817560" cy="412560"/>
+            <a:ext cx="817200" cy="412200"/>
           </a:xfrm>
           <a:prstGeom prst="rect">
             <a:avLst/>
@@ -3363,7 +3813,7 @@
           <a:fontRef idx="minor"/>
         </p:style>
         <p:txBody>
-          <a:bodyPr tIns="91440" bIns="91440" anchor="ctr">
+          <a:bodyPr lIns="90000" rIns="90000" tIns="91440" bIns="91440" anchor="ctr">
             <a:noAutofit/>
           </a:bodyPr>
           <a:p>
@@ -3396,14 +3846,14 @@
       </p:sp>
       <p:sp>
         <p:nvSpPr>
-          <p:cNvPr id="51" name="Google Shape;74;p15"/>
+          <p:cNvPr id="53" name="Google Shape;74;p15"/>
           <p:cNvSpPr/>
           <p:nvPr/>
         </p:nvSpPr>
         <p:spPr>
           <a:xfrm>
             <a:off x="0" y="416520"/>
-            <a:ext cx="2995560" cy="523080"/>
+            <a:ext cx="2995200" cy="522720"/>
           </a:xfrm>
           <a:prstGeom prst="homePlate">
             <a:avLst>
@@ -3427,7 +3877,7 @@
           <a:fontRef idx="minor"/>
         </p:style>
         <p:txBody>
-          <a:bodyPr tIns="91440" bIns="91440" anchor="ctr">
+          <a:bodyPr lIns="90000" rIns="90000" tIns="91440" bIns="91440" anchor="ctr">
             <a:noAutofit/>
           </a:bodyPr>
           <a:p>
@@ -3460,14 +3910,14 @@
       </p:sp>
       <p:sp>
         <p:nvSpPr>
-          <p:cNvPr id="52" name="Google Shape;75;p15"/>
+          <p:cNvPr id="54" name="Google Shape;75;p15"/>
           <p:cNvSpPr/>
           <p:nvPr/>
         </p:nvSpPr>
         <p:spPr>
           <a:xfrm>
-            <a:off x="2575440" y="1710000"/>
-            <a:ext cx="3992760" cy="3253320"/>
+            <a:off x="2340000" y="1427040"/>
+            <a:ext cx="5400000" cy="3252960"/>
           </a:xfrm>
           <a:prstGeom prst="rect">
             <a:avLst/>
@@ -3484,7 +3934,7 @@
           <a:fontRef idx="minor"/>
         </p:style>
         <p:txBody>
-          <a:bodyPr tIns="91440" bIns="91440" anchor="t">
+          <a:bodyPr lIns="90000" rIns="90000" tIns="91440" bIns="91440" anchor="t">
             <a:noAutofit/>
           </a:bodyPr>
           <a:p>
@@ -3499,7 +3949,7 @@
               <a:buAutoNum type="arabicPeriod"/>
             </a:pPr>
             <a:r>
-              <a:rPr b="0" lang="pl" sz="1400" spc="-1" strike="noStrike">
+              <a:rPr b="0" lang="pl" sz="1600" spc="-1" strike="noStrike">
                 <a:solidFill>
                   <a:schemeClr val="dk1"/>
                 </a:solidFill>
@@ -3508,7 +3958,7 @@
               </a:rPr>
               <a:t>Analiza projektu</a:t>
             </a:r>
-            <a:endParaRPr b="0" lang="pl-PL" sz="1400" spc="-1" strike="noStrike">
+            <a:endParaRPr b="0" lang="pl-PL" sz="1600" spc="-1" strike="noStrike">
               <a:solidFill>
                 <a:srgbClr val="000000"/>
               </a:solidFill>
@@ -3527,16 +3977,16 @@
               <a:buAutoNum type="arabicPeriod"/>
             </a:pPr>
             <a:r>
-              <a:rPr b="0" lang="pl" sz="1400" spc="-1" strike="noStrike">
+              <a:rPr b="0" lang="pl" sz="1600" spc="-1" strike="noStrike">
                 <a:solidFill>
                   <a:schemeClr val="dk1"/>
                 </a:solidFill>
                 <a:latin typeface="Arial"/>
                 <a:ea typeface="Arial"/>
               </a:rPr>
-              <a:t>Zaprojektowanie baz danych oraz schematu systemu</a:t>
-            </a:r>
-            <a:endParaRPr b="0" lang="pl-PL" sz="1400" spc="-1" strike="noStrike">
+              <a:t>- założenie oraz cele</a:t>
+            </a:r>
+            <a:endParaRPr b="0" lang="pl-PL" sz="1600" spc="-1" strike="noStrike">
               <a:solidFill>
                 <a:srgbClr val="000000"/>
               </a:solidFill>
@@ -3555,16 +4005,72 @@
               <a:buAutoNum type="arabicPeriod"/>
             </a:pPr>
             <a:r>
-              <a:rPr b="0" lang="pl" sz="1400" spc="-1" strike="noStrike">
+              <a:rPr b="0" lang="pl" sz="1600" spc="-1" strike="noStrike">
                 <a:solidFill>
                   <a:schemeClr val="dk1"/>
                 </a:solidFill>
                 <a:latin typeface="Arial"/>
                 <a:ea typeface="Arial"/>
               </a:rPr>
+              <a:t>- komunikacja ze sterownikiem</a:t>
+            </a:r>
+            <a:endParaRPr b="0" lang="pl-PL" sz="1600" spc="-1" strike="noStrike">
+              <a:solidFill>
+                <a:srgbClr val="000000"/>
+              </a:solidFill>
+              <a:latin typeface="Arial"/>
+            </a:endParaRPr>
+          </a:p>
+          <a:p>
+            <a:pPr marL="457200" indent="-317520">
+              <a:lnSpc>
+                <a:spcPct val="115000"/>
+              </a:lnSpc>
+              <a:buClr>
+                <a:srgbClr val="000000"/>
+              </a:buClr>
+              <a:buFont typeface="Arial"/>
+              <a:buAutoNum type="arabicPeriod"/>
+            </a:pPr>
+            <a:r>
+              <a:rPr b="0" lang="pl" sz="1600" spc="-1" strike="noStrike">
+                <a:solidFill>
+                  <a:schemeClr val="dk1"/>
+                </a:solidFill>
+                <a:latin typeface="Arial"/>
+                <a:ea typeface="Arial"/>
+              </a:rPr>
+              <a:t>Zaprojektowanie baz danych oraz schematu systemu</a:t>
+            </a:r>
+            <a:endParaRPr b="0" lang="pl-PL" sz="1600" spc="-1" strike="noStrike">
+              <a:solidFill>
+                <a:srgbClr val="000000"/>
+              </a:solidFill>
+              <a:latin typeface="Arial"/>
+            </a:endParaRPr>
+          </a:p>
+          <a:p>
+            <a:pPr marL="457200" indent="-317520">
+              <a:lnSpc>
+                <a:spcPct val="115000"/>
+              </a:lnSpc>
+              <a:buClr>
+                <a:srgbClr val="000000"/>
+              </a:buClr>
+              <a:buFont typeface="Arial"/>
+              <a:buAutoNum type="arabicPeriod"/>
+            </a:pPr>
+            <a:r>
+              <a:rPr b="0" lang="pl" sz="1600" spc="-1" strike="noStrike">
+                <a:solidFill>
+                  <a:schemeClr val="dk1"/>
+                </a:solidFill>
+                <a:latin typeface="Arial"/>
+                <a:ea typeface="Arial"/>
+              </a:rPr>
               <a:t>Implementacja warstw systemu:</a:t>
             </a:r>
-            <a:endParaRPr b="0" lang="pl-PL" sz="1400" spc="-1" strike="noStrike">
+            <a:endParaRPr b="0" lang="pl-PL" sz="1600" spc="-1" strike="noStrike">
               <a:solidFill>
                 <a:srgbClr val="000000"/>
               </a:solidFill>
@@ -3583,16 +4089,16 @@
               <a:buChar char="-"/>
             </a:pPr>
             <a:r>
-              <a:rPr b="0" lang="pl" sz="1400" spc="-1" strike="noStrike">
+              <a:rPr b="0" lang="pl" sz="1600" spc="-1" strike="noStrike">
                 <a:solidFill>
                   <a:schemeClr val="dk1"/>
                 </a:solidFill>
                 <a:latin typeface="Arial"/>
                 <a:ea typeface="Arial"/>
               </a:rPr>
-              <a:t>serwerowej</a:t>
-            </a:r>
-            <a:endParaRPr b="0" lang="pl-PL" sz="1400" spc="-1" strike="noStrike">
+              <a:t>Interfesju graficznego</a:t>
+            </a:r>
+            <a:endParaRPr b="0" lang="pl-PL" sz="1600" spc="-1" strike="noStrike">
               <a:solidFill>
                 <a:srgbClr val="000000"/>
               </a:solidFill>
@@ -3611,16 +4117,16 @@
               <a:buChar char="-"/>
             </a:pPr>
             <a:r>
-              <a:rPr b="0" lang="pl" sz="1400" spc="-1" strike="noStrike">
+              <a:rPr b="0" lang="pl" sz="1600" spc="-1" strike="noStrike">
                 <a:solidFill>
                   <a:schemeClr val="dk1"/>
                 </a:solidFill>
                 <a:latin typeface="Arial"/>
                 <a:ea typeface="Arial"/>
               </a:rPr>
-              <a:t>klienckiej</a:t>
-            </a:r>
-            <a:endParaRPr b="0" lang="pl-PL" sz="1400" spc="-1" strike="noStrike">
+              <a:t>Komunikacji z sewerem HTTP REST oraz sterownikiem przy pomocy BLE</a:t>
+            </a:r>
+            <a:endParaRPr b="0" lang="pl-PL" sz="1600" spc="-1" strike="noStrike">
               <a:solidFill>
                 <a:srgbClr val="000000"/>
               </a:solidFill>
@@ -3661,14 +4167,14 @@
       </p:grpSpPr>
       <p:sp>
         <p:nvSpPr>
-          <p:cNvPr id="53" name="Google Shape;80;p16"/>
+          <p:cNvPr id="55" name="Google Shape;80;p16"/>
           <p:cNvSpPr/>
           <p:nvPr/>
         </p:nvSpPr>
         <p:spPr>
           <a:xfrm>
             <a:off x="8085960" y="4593240"/>
-            <a:ext cx="817560" cy="412560"/>
+            <a:ext cx="817200" cy="412200"/>
           </a:xfrm>
           <a:prstGeom prst="rect">
             <a:avLst/>
@@ -3685,7 +4191,7 @@
           <a:fontRef idx="minor"/>
         </p:style>
         <p:txBody>
-          <a:bodyPr tIns="91440" bIns="91440" anchor="ctr">
+          <a:bodyPr lIns="90000" rIns="90000" tIns="91440" bIns="91440" anchor="ctr">
             <a:noAutofit/>
           </a:bodyPr>
           <a:p>
@@ -3718,14 +4224,14 @@
       </p:sp>
       <p:sp>
         <p:nvSpPr>
-          <p:cNvPr id="54" name="Google Shape;81;p16"/>
+          <p:cNvPr id="56" name="Google Shape;81;p16"/>
           <p:cNvSpPr/>
           <p:nvPr/>
         </p:nvSpPr>
         <p:spPr>
           <a:xfrm>
             <a:off x="0" y="416520"/>
-            <a:ext cx="2995560" cy="523080"/>
+            <a:ext cx="2995200" cy="522720"/>
           </a:xfrm>
           <a:prstGeom prst="homePlate">
             <a:avLst>
@@ -3749,7 +4255,7 @@
           <a:fontRef idx="minor"/>
         </p:style>
         <p:txBody>
-          <a:bodyPr tIns="91440" bIns="91440" anchor="ctr">
+          <a:bodyPr lIns="90000" rIns="90000" tIns="91440" bIns="91440" anchor="ctr">
             <a:noAutofit/>
           </a:bodyPr>
           <a:p>
@@ -3782,14 +4288,14 @@
       </p:sp>
       <p:sp>
         <p:nvSpPr>
-          <p:cNvPr id="55" name="Google Shape;82;p16"/>
+          <p:cNvPr id="57" name="Google Shape;82;p16"/>
           <p:cNvSpPr/>
           <p:nvPr/>
         </p:nvSpPr>
         <p:spPr>
           <a:xfrm>
             <a:off x="540000" y="1620000"/>
-            <a:ext cx="3471840" cy="2193120"/>
+            <a:ext cx="3471480" cy="2192760"/>
           </a:xfrm>
           <a:prstGeom prst="rect">
             <a:avLst/>
@@ -3806,7 +4312,7 @@
           <a:fontRef idx="minor"/>
         </p:style>
         <p:txBody>
-          <a:bodyPr tIns="91440" bIns="91440" anchor="t">
+          <a:bodyPr lIns="90000" rIns="90000" tIns="91440" bIns="91440" anchor="t">
             <a:noAutofit/>
           </a:bodyPr>
           <a:p>
@@ -4001,37 +4507,6 @@
             </a:endParaRPr>
           </a:p>
           <a:p>
-            <a:pPr marL="457200" indent="-317520">
-              <a:lnSpc>
-                <a:spcPct val="115000"/>
-              </a:lnSpc>
-              <a:buClr>
-                <a:srgbClr val="000000"/>
-              </a:buClr>
-              <a:buFont typeface="Arial"/>
-              <a:buChar char="●"/>
-              <a:tabLst>
-                <a:tab algn="l" pos="0"/>
-              </a:tabLst>
-            </a:pPr>
-            <a:r>
-              <a:rPr b="0" lang="pl" sz="1400" spc="-1" strike="noStrike">
-                <a:solidFill>
-                  <a:schemeClr val="dk1"/>
-                </a:solidFill>
-                <a:latin typeface="Arial"/>
-                <a:ea typeface="Arial"/>
-              </a:rPr>
-              <a:t>Własna animacja</a:t>
-            </a:r>
-            <a:endParaRPr b="0" lang="pl-PL" sz="1400" spc="-1" strike="noStrike">
-              <a:solidFill>
-                <a:srgbClr val="000000"/>
-              </a:solidFill>
-              <a:latin typeface="Arial"/>
-            </a:endParaRPr>
-          </a:p>
-          <a:p>
             <a:pPr>
               <a:lnSpc>
                 <a:spcPct val="115000"/>
@@ -4067,14 +4542,14 @@
       </p:sp>
       <p:sp>
         <p:nvSpPr>
-          <p:cNvPr id="56" name="Google Shape;83;p16"/>
+          <p:cNvPr id="58" name="Google Shape;83;p16"/>
           <p:cNvSpPr/>
           <p:nvPr/>
         </p:nvSpPr>
         <p:spPr>
           <a:xfrm>
             <a:off x="4500000" y="1620000"/>
-            <a:ext cx="3375360" cy="3217320"/>
+            <a:ext cx="3375000" cy="3216960"/>
           </a:xfrm>
           <a:prstGeom prst="rect">
             <a:avLst/>
@@ -4091,7 +4566,7 @@
           <a:fontRef idx="minor"/>
         </p:style>
         <p:txBody>
-          <a:bodyPr tIns="91440" bIns="91440" anchor="t">
+          <a:bodyPr lIns="90000" rIns="90000" tIns="91440" bIns="91440" anchor="t">
             <a:noAutofit/>
           </a:bodyPr>
           <a:p>
@@ -4214,8 +4689,60 @@
                 <a:latin typeface="Arial"/>
                 <a:ea typeface="Arial"/>
               </a:rPr>
-              <a:t>Dłuższe animacje niż przez wi-fi </a:t>
-            </a:r>
+              <a:t>Grafika zapisana w pamięci</a:t>
+            </a:r>
+            <a:endParaRPr b="0" lang="pl-PL" sz="1400" spc="-1" strike="noStrike">
+              <a:solidFill>
+                <a:srgbClr val="000000"/>
+              </a:solidFill>
+              <a:latin typeface="Arial"/>
+            </a:endParaRPr>
+          </a:p>
+          <a:p>
+            <a:pPr marL="457200" indent="-317520">
+              <a:lnSpc>
+                <a:spcPct val="115000"/>
+              </a:lnSpc>
+              <a:buClr>
+                <a:srgbClr val="000000"/>
+              </a:buClr>
+              <a:buFont typeface="Arial"/>
+              <a:buChar char="●"/>
+              <a:tabLst>
+                <a:tab algn="l" pos="0"/>
+              </a:tabLst>
+            </a:pPr>
+            <a:r>
+              <a:rPr b="0" lang="pl" sz="1400" spc="-1" strike="noStrike">
+                <a:solidFill>
+                  <a:schemeClr val="dk1"/>
+                </a:solidFill>
+                <a:latin typeface="Arial"/>
+                <a:ea typeface="Arial"/>
+              </a:rPr>
+              <a:t>Wyswietlanie obrazków w czasie rzeczywistym</a:t>
+            </a:r>
+            <a:endParaRPr b="0" lang="pl-PL" sz="1400" spc="-1" strike="noStrike">
+              <a:solidFill>
+                <a:srgbClr val="000000"/>
+              </a:solidFill>
+              <a:latin typeface="Arial"/>
+            </a:endParaRPr>
+          </a:p>
+          <a:p>
+            <a:pPr marL="457200" indent="-317520">
+              <a:lnSpc>
+                <a:spcPct val="115000"/>
+              </a:lnSpc>
+              <a:buClr>
+                <a:srgbClr val="000000"/>
+              </a:buClr>
+              <a:buFont typeface="Arial"/>
+              <a:buChar char="●"/>
+              <a:tabLst>
+                <a:tab algn="l" pos="0"/>
+              </a:tabLst>
+            </a:pPr>
             <a:endParaRPr b="0" lang="pl-PL" sz="1400" spc="-1" strike="noStrike">
               <a:solidFill>
                 <a:srgbClr val="000000"/>
@@ -4273,14 +4800,14 @@
       </p:grpSpPr>
       <p:sp>
         <p:nvSpPr>
-          <p:cNvPr id="57" name="Google Shape;88;p17"/>
+          <p:cNvPr id="59" name="Google Shape;88;p17"/>
           <p:cNvSpPr/>
           <p:nvPr/>
         </p:nvSpPr>
         <p:spPr>
           <a:xfrm>
             <a:off x="8085960" y="4593240"/>
-            <a:ext cx="817560" cy="412560"/>
+            <a:ext cx="817200" cy="412200"/>
           </a:xfrm>
           <a:prstGeom prst="rect">
             <a:avLst/>
@@ -4297,7 +4824,7 @@
           <a:fontRef idx="minor"/>
         </p:style>
         <p:txBody>
-          <a:bodyPr tIns="91440" bIns="91440" anchor="ctr">
+          <a:bodyPr lIns="90000" rIns="90000" tIns="91440" bIns="91440" anchor="ctr">
             <a:noAutofit/>
           </a:bodyPr>
           <a:p>
@@ -4330,14 +4857,14 @@
       </p:sp>
       <p:sp>
         <p:nvSpPr>
-          <p:cNvPr id="58" name="Google Shape;89;p17"/>
+          <p:cNvPr id="60" name="Google Shape;89;p17"/>
           <p:cNvSpPr/>
           <p:nvPr/>
         </p:nvSpPr>
         <p:spPr>
           <a:xfrm>
             <a:off x="0" y="416520"/>
-            <a:ext cx="2995560" cy="523080"/>
+            <a:ext cx="2995200" cy="522720"/>
           </a:xfrm>
           <a:prstGeom prst="homePlate">
             <a:avLst>
@@ -4361,7 +4888,7 @@
           <a:fontRef idx="minor"/>
         </p:style>
         <p:txBody>
-          <a:bodyPr tIns="91440" bIns="91440" anchor="ctr">
+          <a:bodyPr lIns="90000" rIns="90000" tIns="91440" bIns="91440" anchor="ctr">
             <a:noAutofit/>
           </a:bodyPr>
           <a:p>
@@ -4394,13 +4921,13 @@
       </p:sp>
       <p:graphicFrame>
         <p:nvGraphicFramePr>
-          <p:cNvPr id="59" name="Google Shape;90;p17"/>
+          <p:cNvPr id="61" name="Google Shape;90;p17"/>
           <p:cNvGraphicFramePr/>
           <p:nvPr/>
         </p:nvGraphicFramePr>
         <p:xfrm>
           <a:off x="891720" y="1504800"/>
-          <a:ext cx="6933960" cy="3114000"/>
+          <a:ext cx="6933240" cy="2491200"/>
         </p:xfrm>
         <a:graphic>
           <a:graphicData uri="http://schemas.openxmlformats.org/drawingml/2006/table">
@@ -4413,7 +4940,7 @@
               <a:tr h="622800">
                 <a:tc>
                   <a:txBody>
-                    <a:bodyPr lIns="91080" rIns="91080" tIns="91080" bIns="91080" anchor="ctr">
+                    <a:bodyPr lIns="91080" rIns="91080" anchor="ctr">
                       <a:noAutofit/>
                     </a:bodyPr>
                     <a:p>
@@ -4475,7 +5002,7 @@
                 </a:tc>
                 <a:tc>
                   <a:txBody>
-                    <a:bodyPr lIns="91080" rIns="91080" tIns="91080" bIns="91080" anchor="ctr">
+                    <a:bodyPr lIns="91080" rIns="91080" anchor="ctr">
                       <a:noAutofit/>
                     </a:bodyPr>
                     <a:p>
@@ -4539,7 +5066,7 @@
               <a:tr h="622800">
                 <a:tc>
                   <a:txBody>
-                    <a:bodyPr lIns="91080" rIns="91080" tIns="91080" bIns="91080" anchor="ctr">
+                    <a:bodyPr lIns="91080" rIns="91080" anchor="ctr">
                       <a:noAutofit/>
                     </a:bodyPr>
                     <a:p>
@@ -4559,7 +5086,7 @@
                           <a:latin typeface="Arial"/>
                           <a:ea typeface="Arial"/>
                         </a:rPr>
-                        <a:t>baza danych</a:t>
+                        <a:t>Baza Danych</a:t>
                       </a:r>
                       <a:endParaRPr b="0" lang="pl-PL" sz="1400" spc="-1" strike="noStrike">
                         <a:solidFill>
@@ -4601,7 +5128,7 @@
                 </a:tc>
                 <a:tc>
                   <a:txBody>
-                    <a:bodyPr lIns="91080" rIns="91080" tIns="91080" bIns="91080" anchor="ctr">
+                    <a:bodyPr lIns="91080" rIns="91080" anchor="ctr">
                       <a:noAutofit/>
                     </a:bodyPr>
                     <a:p>
@@ -4665,7 +5192,7 @@
               <a:tr h="622800">
                 <a:tc>
                   <a:txBody>
-                    <a:bodyPr lIns="91080" rIns="91080" tIns="91080" bIns="91080" anchor="ctr">
+                    <a:bodyPr lIns="91080" rIns="91080" anchor="ctr">
                       <a:noAutofit/>
                     </a:bodyPr>
                     <a:p>
@@ -4685,7 +5212,7 @@
                           <a:latin typeface="Arial"/>
                           <a:ea typeface="Arial"/>
                         </a:rPr>
-                        <a:t>serwerowa</a:t>
+                        <a:t>Serwer</a:t>
                       </a:r>
                       <a:endParaRPr b="0" lang="pl-PL" sz="1400" spc="-1" strike="noStrike">
                         <a:solidFill>
@@ -4725,7 +5252,7 @@
                 </a:tc>
                 <a:tc>
                   <a:txBody>
-                    <a:bodyPr lIns="91080" rIns="91080" tIns="91080" bIns="91080" anchor="ctr">
+                    <a:bodyPr lIns="91080" rIns="91080" anchor="ctr">
                       <a:noAutofit/>
                     </a:bodyPr>
                     <a:p>
@@ -4787,7 +5314,7 @@
               <a:tr h="622800">
                 <a:tc>
                   <a:txBody>
-                    <a:bodyPr lIns="91080" rIns="91080" tIns="91080" bIns="91080" anchor="ctr">
+                    <a:bodyPr lIns="91080" rIns="91080" anchor="ctr">
                       <a:noAutofit/>
                     </a:bodyPr>
                     <a:p>
@@ -4807,7 +5334,7 @@
                           <a:latin typeface="Arial"/>
                           <a:ea typeface="Arial"/>
                         </a:rPr>
-                        <a:t>kliencka</a:t>
+                        <a:t>Klient</a:t>
                       </a:r>
                       <a:endParaRPr b="0" lang="pl-PL" sz="1400" spc="-1" strike="noStrike">
                         <a:solidFill>
@@ -4847,7 +5374,7 @@
                 </a:tc>
                 <a:tc>
                   <a:txBody>
-                    <a:bodyPr lIns="91080" rIns="91080" tIns="91080" bIns="91080" anchor="ctr">
+                    <a:bodyPr lIns="91080" rIns="91080" anchor="ctr">
                       <a:noAutofit/>
                     </a:bodyPr>
                     <a:p>
@@ -4867,7 +5394,7 @@
                           <a:latin typeface="Arial"/>
                           <a:ea typeface="Arial"/>
                         </a:rPr>
-                        <a:t>C++, Java Script, qml</a:t>
+                        <a:t>QML, C+</a:t>
                       </a:r>
                       <a:endParaRPr b="0" lang="pl-PL" sz="1200" spc="-1" strike="noStrike">
                         <a:solidFill>
@@ -4942,14 +5469,14 @@
       </p:grpSpPr>
       <p:sp>
         <p:nvSpPr>
-          <p:cNvPr id="60" name="Google Shape;95;p18"/>
+          <p:cNvPr id="62" name="Google Shape;95;p18"/>
           <p:cNvSpPr/>
           <p:nvPr/>
         </p:nvSpPr>
         <p:spPr>
           <a:xfrm>
             <a:off x="8085960" y="4593240"/>
-            <a:ext cx="817560" cy="412560"/>
+            <a:ext cx="817200" cy="412200"/>
           </a:xfrm>
           <a:prstGeom prst="rect">
             <a:avLst/>
@@ -4966,7 +5493,7 @@
           <a:fontRef idx="minor"/>
         </p:style>
         <p:txBody>
-          <a:bodyPr tIns="91440" bIns="91440" anchor="ctr">
+          <a:bodyPr lIns="90000" rIns="90000" tIns="91440" bIns="91440" anchor="ctr">
             <a:noAutofit/>
           </a:bodyPr>
           <a:p>
@@ -4999,14 +5526,14 @@
       </p:sp>
       <p:sp>
         <p:nvSpPr>
-          <p:cNvPr id="61" name="Google Shape;96;p18"/>
+          <p:cNvPr id="63" name="Google Shape;96;p18"/>
           <p:cNvSpPr/>
           <p:nvPr/>
         </p:nvSpPr>
         <p:spPr>
           <a:xfrm>
             <a:off x="0" y="416520"/>
-            <a:ext cx="2995560" cy="523080"/>
+            <a:ext cx="2995200" cy="522720"/>
           </a:xfrm>
           <a:prstGeom prst="homePlate">
             <a:avLst>
@@ -5030,7 +5557,7 @@
           <a:fontRef idx="minor"/>
         </p:style>
         <p:txBody>
-          <a:bodyPr tIns="91440" bIns="91440" anchor="ctr">
+          <a:bodyPr lIns="90000" rIns="90000" tIns="91440" bIns="91440" anchor="ctr">
             <a:noAutofit/>
           </a:bodyPr>
           <a:p>
@@ -5063,7 +5590,7 @@
       </p:sp>
       <p:pic>
         <p:nvPicPr>
-          <p:cNvPr id="62" name="" descr=""/>
+          <p:cNvPr id="64" name="" descr=""/>
           <p:cNvPicPr/>
           <p:nvPr/>
         </p:nvPicPr>
@@ -5074,53 +5601,7 @@
         <p:spPr>
           <a:xfrm>
             <a:off x="360000" y="1260000"/>
-            <a:ext cx="1620000" cy="3600000"/>
-          </a:xfrm>
-          <a:prstGeom prst="rect">
-            <a:avLst/>
-          </a:prstGeom>
-          <a:ln w="0">
-            <a:noFill/>
-          </a:ln>
-        </p:spPr>
-      </p:pic>
-      <p:pic>
-        <p:nvPicPr>
-          <p:cNvPr id="63" name="" descr=""/>
-          <p:cNvPicPr/>
-          <p:nvPr/>
-        </p:nvPicPr>
-        <p:blipFill>
-          <a:blip r:embed="rId2"/>
-          <a:stretch/>
-        </p:blipFill>
-        <p:spPr>
-          <a:xfrm>
-            <a:off x="2008800" y="1260000"/>
-            <a:ext cx="1644120" cy="3600000"/>
-          </a:xfrm>
-          <a:prstGeom prst="rect">
-            <a:avLst/>
-          </a:prstGeom>
-          <a:ln w="0">
-            <a:noFill/>
-          </a:ln>
-        </p:spPr>
-      </p:pic>
-      <p:pic>
-        <p:nvPicPr>
-          <p:cNvPr id="64" name="" descr=""/>
-          <p:cNvPicPr/>
-          <p:nvPr/>
-        </p:nvPicPr>
-        <p:blipFill>
-          <a:blip r:embed="rId3"/>
-          <a:stretch/>
-        </p:blipFill>
-        <p:spPr>
-          <a:xfrm>
-            <a:off x="3686040" y="1260000"/>
-            <a:ext cx="1636560" cy="3600000"/>
+            <a:ext cx="1619640" cy="3599640"/>
           </a:xfrm>
           <a:prstGeom prst="rect">
             <a:avLst/>
@@ -5137,13 +5618,13 @@
           <p:nvPr/>
         </p:nvPicPr>
         <p:blipFill>
-          <a:blip r:embed="rId4"/>
+          <a:blip r:embed="rId2"/>
           <a:stretch/>
         </p:blipFill>
         <p:spPr>
           <a:xfrm>
-            <a:off x="5380920" y="1260000"/>
-            <a:ext cx="1639080" cy="3608280"/>
+            <a:off x="2008800" y="1260000"/>
+            <a:ext cx="1643760" cy="3599640"/>
           </a:xfrm>
           <a:prstGeom prst="rect">
             <a:avLst/>
@@ -5160,13 +5641,59 @@
           <p:nvPr/>
         </p:nvPicPr>
         <p:blipFill>
+          <a:blip r:embed="rId3"/>
+          <a:stretch/>
+        </p:blipFill>
+        <p:spPr>
+          <a:xfrm>
+            <a:off x="3686040" y="1260000"/>
+            <a:ext cx="1636200" cy="3599640"/>
+          </a:xfrm>
+          <a:prstGeom prst="rect">
+            <a:avLst/>
+          </a:prstGeom>
+          <a:ln w="0">
+            <a:noFill/>
+          </a:ln>
+        </p:spPr>
+      </p:pic>
+      <p:pic>
+        <p:nvPicPr>
+          <p:cNvPr id="67" name="" descr=""/>
+          <p:cNvPicPr/>
+          <p:nvPr/>
+        </p:nvPicPr>
+        <p:blipFill>
+          <a:blip r:embed="rId4"/>
+          <a:stretch/>
+        </p:blipFill>
+        <p:spPr>
+          <a:xfrm>
+            <a:off x="5380920" y="1260000"/>
+            <a:ext cx="1638720" cy="3607920"/>
+          </a:xfrm>
+          <a:prstGeom prst="rect">
+            <a:avLst/>
+          </a:prstGeom>
+          <a:ln w="0">
+            <a:noFill/>
+          </a:ln>
+        </p:spPr>
+      </p:pic>
+      <p:pic>
+        <p:nvPicPr>
+          <p:cNvPr id="68" name="" descr=""/>
+          <p:cNvPicPr/>
+          <p:nvPr/>
+        </p:nvPicPr>
+        <p:blipFill>
           <a:blip r:embed="rId5"/>
           <a:stretch/>
         </p:blipFill>
         <p:spPr>
           <a:xfrm>
             <a:off x="7065360" y="1260000"/>
-            <a:ext cx="1656720" cy="3600000"/>
+            <a:ext cx="1656360" cy="3599640"/>
           </a:xfrm>
           <a:prstGeom prst="rect">
             <a:avLst/>
@@ -5208,14 +5735,14 @@
       </p:grpSpPr>
       <p:sp>
         <p:nvSpPr>
-          <p:cNvPr id="67" name="Google Shape;103;p19"/>
+          <p:cNvPr id="69" name="Google Shape;103;p19"/>
           <p:cNvSpPr/>
           <p:nvPr/>
         </p:nvSpPr>
         <p:spPr>
           <a:xfrm>
             <a:off x="8085960" y="4593240"/>
-            <a:ext cx="817560" cy="412560"/>
+            <a:ext cx="817200" cy="412200"/>
           </a:xfrm>
           <a:prstGeom prst="rect">
             <a:avLst/>
@@ -5232,7 +5759,7 @@
           <a:fontRef idx="minor"/>
         </p:style>
         <p:txBody>
-          <a:bodyPr tIns="91440" bIns="91440" anchor="ctr">
+          <a:bodyPr lIns="90000" rIns="90000" tIns="91440" bIns="91440" anchor="ctr">
             <a:noAutofit/>
           </a:bodyPr>
           <a:p>
@@ -5265,14 +5792,14 @@
       </p:sp>
       <p:sp>
         <p:nvSpPr>
-          <p:cNvPr id="68" name="Google Shape;104;p19"/>
+          <p:cNvPr id="70" name="Google Shape;104;p19"/>
           <p:cNvSpPr/>
           <p:nvPr/>
         </p:nvSpPr>
         <p:spPr>
           <a:xfrm>
             <a:off x="0" y="416520"/>
-            <a:ext cx="2995560" cy="523080"/>
+            <a:ext cx="2995200" cy="522720"/>
           </a:xfrm>
           <a:prstGeom prst="homePlate">
             <a:avLst>
@@ -5296,7 +5823,7 @@
           <a:fontRef idx="minor"/>
         </p:style>
         <p:txBody>
-          <a:bodyPr tIns="91440" bIns="91440" anchor="ctr">
+          <a:bodyPr lIns="90000" rIns="90000" tIns="91440" bIns="91440" anchor="ctr">
             <a:noAutofit/>
           </a:bodyPr>
           <a:p>
@@ -5329,14 +5856,14 @@
       </p:sp>
       <p:sp>
         <p:nvSpPr>
-          <p:cNvPr id="69" name="Google Shape;105;p19"/>
+          <p:cNvPr id="71" name="Google Shape;105;p19"/>
           <p:cNvSpPr/>
           <p:nvPr/>
         </p:nvSpPr>
         <p:spPr>
           <a:xfrm>
             <a:off x="1440000" y="1710000"/>
-            <a:ext cx="6120000" cy="2706480"/>
+            <a:ext cx="6119640" cy="2706120"/>
           </a:xfrm>
           <a:prstGeom prst="rect">
             <a:avLst/>
@@ -5353,7 +5880,7 @@
           <a:fontRef idx="minor"/>
         </p:style>
         <p:txBody>
-          <a:bodyPr tIns="91440" bIns="91440" anchor="t">
+          <a:bodyPr lIns="90000" rIns="90000" tIns="91440" bIns="91440" anchor="t">
             <a:noAutofit/>
           </a:bodyPr>
           <a:p>
@@ -5469,15 +5996,10 @@
             </a:endParaRPr>
           </a:p>
           <a:p>
-            <a:pPr marL="457200" indent="-317520">
+            <a:pPr>
               <a:lnSpc>
                 <a:spcPct val="115000"/>
               </a:lnSpc>
-              <a:buClr>
-                <a:srgbClr val="000000"/>
-              </a:buClr>
-              <a:buFont typeface="Arial"/>
-              <a:buChar char="●"/>
             </a:pPr>
             <a:endParaRPr b="0" lang="pl-PL" sz="1400" spc="-1" strike="noStrike">
               <a:solidFill>

--- a/Preview/Praca dyplomowa - HMI do kurtyny wodnej.pptx
+++ b/Preview/Praca dyplomowa - HMI do kurtyny wodnej.pptx
@@ -49,7 +49,7 @@
         <p:txBody>
           <a:bodyPr/>
           <a:p>
-            <a:fld id="{4D4DA653-AB11-470A-9116-BFCF9985D174}" type="slidenum">
+            <a:fld id="{3C40C808-9940-484A-8550-0069031CE5F6}" type="slidenum">
               <a:t>&lt;#&gt;</a:t>
             </a:fld>
           </a:p>
@@ -90,7 +90,7 @@
         <p:spPr>
           <a:xfrm>
             <a:off x="311760" y="744480"/>
-            <a:ext cx="8519760" cy="2052000"/>
+            <a:ext cx="8519400" cy="2051640"/>
           </a:xfrm>
           <a:prstGeom prst="rect">
             <a:avLst/>
@@ -130,7 +130,7 @@
         <p:spPr>
           <a:xfrm>
             <a:off x="457200" y="1203480"/>
-            <a:ext cx="8229240" cy="1422720"/>
+            <a:ext cx="4015440" cy="678240"/>
           </a:xfrm>
           <a:prstGeom prst="rect">
             <a:avLst/>
@@ -142,7 +142,7 @@
         </p:spPr>
         <p:txBody>
           <a:bodyPr lIns="0" rIns="0" tIns="0" bIns="0" anchor="t">
-            <a:normAutofit/>
+            <a:normAutofit fontScale="87491" lnSpcReduction="20000"/>
           </a:bodyPr>
           <a:p>
             <a:pPr indent="0">
@@ -172,8 +172,8 @@
         </p:nvSpPr>
         <p:spPr>
           <a:xfrm>
-            <a:off x="457200" y="2761920"/>
-            <a:ext cx="8229240" cy="1422720"/>
+            <a:off x="457200" y="1946520"/>
+            <a:ext cx="4015440" cy="678240"/>
           </a:xfrm>
           <a:prstGeom prst="rect">
             <a:avLst/>
@@ -185,7 +185,7 @@
         </p:spPr>
         <p:txBody>
           <a:bodyPr lIns="0" rIns="0" tIns="0" bIns="0" anchor="t">
-            <a:normAutofit/>
+            <a:normAutofit fontScale="87491" lnSpcReduction="20000"/>
           </a:bodyPr>
           <a:p>
             <a:pPr indent="0">
@@ -217,7 +217,7 @@
         <p:txBody>
           <a:bodyPr/>
           <a:p>
-            <a:fld id="{32BB8AB9-37FF-428C-BF01-C66D89E76CFB}" type="slidenum">
+            <a:fld id="{11F9CE66-CD8F-451C-95EF-67485FC791DE}" type="slidenum">
               <a:t>&lt;#&gt;</a:t>
             </a:fld>
           </a:p>
@@ -258,7 +258,7 @@
         <p:spPr>
           <a:xfrm>
             <a:off x="311760" y="744480"/>
-            <a:ext cx="8519760" cy="2052000"/>
+            <a:ext cx="8519400" cy="2051640"/>
           </a:xfrm>
           <a:prstGeom prst="rect">
             <a:avLst/>
@@ -298,7 +298,7 @@
         <p:spPr>
           <a:xfrm>
             <a:off x="457200" y="1203480"/>
-            <a:ext cx="4015800" cy="1422720"/>
+            <a:ext cx="1959480" cy="678240"/>
           </a:xfrm>
           <a:prstGeom prst="rect">
             <a:avLst/>
@@ -310,7 +310,7 @@
         </p:spPr>
         <p:txBody>
           <a:bodyPr lIns="0" rIns="0" tIns="0" bIns="0" anchor="t">
-            <a:normAutofit/>
+            <a:normAutofit fontScale="71867"/>
           </a:bodyPr>
           <a:p>
             <a:pPr indent="0">
@@ -340,8 +340,8 @@
         </p:nvSpPr>
         <p:spPr>
           <a:xfrm>
-            <a:off x="4674240" y="1203480"/>
-            <a:ext cx="4015800" cy="1422720"/>
+            <a:off x="2514960" y="1203480"/>
+            <a:ext cx="1959480" cy="678240"/>
           </a:xfrm>
           <a:prstGeom prst="rect">
             <a:avLst/>
@@ -353,7 +353,7 @@
         </p:spPr>
         <p:txBody>
           <a:bodyPr lIns="0" rIns="0" tIns="0" bIns="0" anchor="t">
-            <a:normAutofit/>
+            <a:normAutofit fontScale="71867"/>
           </a:bodyPr>
           <a:p>
             <a:pPr indent="0">
@@ -383,8 +383,8 @@
         </p:nvSpPr>
         <p:spPr>
           <a:xfrm>
-            <a:off x="457200" y="2761920"/>
-            <a:ext cx="4015800" cy="1422720"/>
+            <a:off x="457200" y="1946520"/>
+            <a:ext cx="1959480" cy="678240"/>
           </a:xfrm>
           <a:prstGeom prst="rect">
             <a:avLst/>
@@ -396,7 +396,7 @@
         </p:spPr>
         <p:txBody>
           <a:bodyPr lIns="0" rIns="0" tIns="0" bIns="0" anchor="t">
-            <a:normAutofit/>
+            <a:normAutofit fontScale="71867"/>
           </a:bodyPr>
           <a:p>
             <a:pPr indent="0">
@@ -426,8 +426,8 @@
         </p:nvSpPr>
         <p:spPr>
           <a:xfrm>
-            <a:off x="4674240" y="2761920"/>
-            <a:ext cx="4015800" cy="1422720"/>
+            <a:off x="2514960" y="1946520"/>
+            <a:ext cx="1959480" cy="678240"/>
           </a:xfrm>
           <a:prstGeom prst="rect">
             <a:avLst/>
@@ -439,7 +439,7 @@
         </p:spPr>
         <p:txBody>
           <a:bodyPr lIns="0" rIns="0" tIns="0" bIns="0" anchor="t">
-            <a:normAutofit/>
+            <a:normAutofit fontScale="71867"/>
           </a:bodyPr>
           <a:p>
             <a:pPr indent="0">
@@ -471,7 +471,7 @@
         <p:txBody>
           <a:bodyPr/>
           <a:p>
-            <a:fld id="{76B2FF39-58F9-4A08-872B-97096B729EA1}" type="slidenum">
+            <a:fld id="{2659E6D4-9285-4910-8E43-FDACC499EE7F}" type="slidenum">
               <a:t>&lt;#&gt;</a:t>
             </a:fld>
           </a:p>
@@ -512,7 +512,7 @@
         <p:spPr>
           <a:xfrm>
             <a:off x="311760" y="744480"/>
-            <a:ext cx="8519760" cy="2052000"/>
+            <a:ext cx="8519400" cy="2051640"/>
           </a:xfrm>
           <a:prstGeom prst="rect">
             <a:avLst/>
@@ -552,7 +552,7 @@
         <p:spPr>
           <a:xfrm>
             <a:off x="457200" y="1203480"/>
-            <a:ext cx="2649600" cy="1422720"/>
+            <a:ext cx="1292760" cy="678240"/>
           </a:xfrm>
           <a:prstGeom prst="rect">
             <a:avLst/>
@@ -564,7 +564,7 @@
         </p:spPr>
         <p:txBody>
           <a:bodyPr lIns="0" rIns="0" tIns="0" bIns="0" anchor="t">
-            <a:normAutofit/>
+            <a:normAutofit fontScale="46870" lnSpcReduction="20000"/>
           </a:bodyPr>
           <a:p>
             <a:pPr indent="0">
@@ -594,8 +594,8 @@
         </p:nvSpPr>
         <p:spPr>
           <a:xfrm>
-            <a:off x="3239640" y="1203480"/>
-            <a:ext cx="2649600" cy="1422720"/>
+            <a:off x="1815120" y="1203480"/>
+            <a:ext cx="1292760" cy="678240"/>
           </a:xfrm>
           <a:prstGeom prst="rect">
             <a:avLst/>
@@ -607,7 +607,7 @@
         </p:spPr>
         <p:txBody>
           <a:bodyPr lIns="0" rIns="0" tIns="0" bIns="0" anchor="t">
-            <a:normAutofit/>
+            <a:normAutofit fontScale="46870" lnSpcReduction="20000"/>
           </a:bodyPr>
           <a:p>
             <a:pPr indent="0">
@@ -637,8 +637,8 @@
         </p:nvSpPr>
         <p:spPr>
           <a:xfrm>
-            <a:off x="6022080" y="1203480"/>
-            <a:ext cx="2649600" cy="1422720"/>
+            <a:off x="3172680" y="1203480"/>
+            <a:ext cx="1292760" cy="678240"/>
           </a:xfrm>
           <a:prstGeom prst="rect">
             <a:avLst/>
@@ -650,7 +650,7 @@
         </p:spPr>
         <p:txBody>
           <a:bodyPr lIns="0" rIns="0" tIns="0" bIns="0" anchor="t">
-            <a:normAutofit/>
+            <a:normAutofit fontScale="46870" lnSpcReduction="20000"/>
           </a:bodyPr>
           <a:p>
             <a:pPr indent="0">
@@ -680,8 +680,8 @@
         </p:nvSpPr>
         <p:spPr>
           <a:xfrm>
-            <a:off x="457200" y="2761920"/>
-            <a:ext cx="2649600" cy="1422720"/>
+            <a:off x="457200" y="1946520"/>
+            <a:ext cx="1292760" cy="678240"/>
           </a:xfrm>
           <a:prstGeom prst="rect">
             <a:avLst/>
@@ -693,7 +693,7 @@
         </p:spPr>
         <p:txBody>
           <a:bodyPr lIns="0" rIns="0" tIns="0" bIns="0" anchor="t">
-            <a:normAutofit/>
+            <a:normAutofit fontScale="46870" lnSpcReduction="20000"/>
           </a:bodyPr>
           <a:p>
             <a:pPr indent="0">
@@ -723,8 +723,8 @@
         </p:nvSpPr>
         <p:spPr>
           <a:xfrm>
-            <a:off x="3239640" y="2761920"/>
-            <a:ext cx="2649600" cy="1422720"/>
+            <a:off x="1815120" y="1946520"/>
+            <a:ext cx="1292760" cy="678240"/>
           </a:xfrm>
           <a:prstGeom prst="rect">
             <a:avLst/>
@@ -736,7 +736,7 @@
         </p:spPr>
         <p:txBody>
           <a:bodyPr lIns="0" rIns="0" tIns="0" bIns="0" anchor="t">
-            <a:normAutofit/>
+            <a:normAutofit fontScale="46870" lnSpcReduction="20000"/>
           </a:bodyPr>
           <a:p>
             <a:pPr indent="0">
@@ -766,8 +766,8 @@
         </p:nvSpPr>
         <p:spPr>
           <a:xfrm>
-            <a:off x="6022080" y="2761920"/>
-            <a:ext cx="2649600" cy="1422720"/>
+            <a:off x="3172680" y="1946520"/>
+            <a:ext cx="1292760" cy="678240"/>
           </a:xfrm>
           <a:prstGeom prst="rect">
             <a:avLst/>
@@ -779,7 +779,7 @@
         </p:spPr>
         <p:txBody>
           <a:bodyPr lIns="0" rIns="0" tIns="0" bIns="0" anchor="t">
-            <a:normAutofit/>
+            <a:normAutofit fontScale="46870" lnSpcReduction="20000"/>
           </a:bodyPr>
           <a:p>
             <a:pPr indent="0">
@@ -811,7 +811,7 @@
         <p:txBody>
           <a:bodyPr/>
           <a:p>
-            <a:fld id="{B4B6622D-5F00-42EC-9332-6E141C0EE379}" type="slidenum">
+            <a:fld id="{C6C75C93-FA99-42ED-B6FD-D90ABE4A5267}" type="slidenum">
               <a:t>&lt;#&gt;</a:t>
             </a:fld>
           </a:p>
@@ -852,7 +852,7 @@
         <p:spPr>
           <a:xfrm>
             <a:off x="311760" y="744480"/>
-            <a:ext cx="8519760" cy="2052000"/>
+            <a:ext cx="8519400" cy="2051640"/>
           </a:xfrm>
           <a:prstGeom prst="rect">
             <a:avLst/>
@@ -892,7 +892,7 @@
         <p:spPr>
           <a:xfrm>
             <a:off x="457200" y="1203480"/>
-            <a:ext cx="8229240" cy="2982960"/>
+            <a:ext cx="4015440" cy="1422360"/>
           </a:xfrm>
           <a:prstGeom prst="rect">
             <a:avLst/>
@@ -933,7 +933,7 @@
         <p:txBody>
           <a:bodyPr/>
           <a:p>
-            <a:fld id="{740465D5-FA7C-4228-8753-42BCC550B15B}" type="slidenum">
+            <a:fld id="{FC30BFBE-BB72-4AA7-A4BE-533334D7D37F}" type="slidenum">
               <a:t>&lt;#&gt;</a:t>
             </a:fld>
           </a:p>
@@ -974,7 +974,7 @@
         <p:spPr>
           <a:xfrm>
             <a:off x="311760" y="744480"/>
-            <a:ext cx="8519760" cy="2052000"/>
+            <a:ext cx="8519400" cy="2051640"/>
           </a:xfrm>
           <a:prstGeom prst="rect">
             <a:avLst/>
@@ -1014,7 +1014,7 @@
         <p:spPr>
           <a:xfrm>
             <a:off x="457200" y="1203480"/>
-            <a:ext cx="8229240" cy="2982960"/>
+            <a:ext cx="4015440" cy="1422360"/>
           </a:xfrm>
           <a:prstGeom prst="rect">
             <a:avLst/>
@@ -1058,7 +1058,7 @@
         <p:txBody>
           <a:bodyPr/>
           <a:p>
-            <a:fld id="{7512BBA0-D45C-4803-A994-793B3D36869F}" type="slidenum">
+            <a:fld id="{588A4F00-5A96-40A4-B503-5D28C1F71832}" type="slidenum">
               <a:t>&lt;#&gt;</a:t>
             </a:fld>
           </a:p>
@@ -1099,7 +1099,7 @@
         <p:spPr>
           <a:xfrm>
             <a:off x="311760" y="744480"/>
-            <a:ext cx="8519760" cy="2052000"/>
+            <a:ext cx="8519400" cy="2051640"/>
           </a:xfrm>
           <a:prstGeom prst="rect">
             <a:avLst/>
@@ -1139,7 +1139,7 @@
         <p:spPr>
           <a:xfrm>
             <a:off x="457200" y="1203480"/>
-            <a:ext cx="4015800" cy="2982960"/>
+            <a:ext cx="1959480" cy="1422360"/>
           </a:xfrm>
           <a:prstGeom prst="rect">
             <a:avLst/>
@@ -1151,7 +1151,7 @@
         </p:spPr>
         <p:txBody>
           <a:bodyPr lIns="0" rIns="0" tIns="0" bIns="0" anchor="t">
-            <a:normAutofit/>
+            <a:normAutofit fontScale="87491" lnSpcReduction="10000"/>
           </a:bodyPr>
           <a:p>
             <a:pPr indent="0">
@@ -1181,8 +1181,8 @@
         </p:nvSpPr>
         <p:spPr>
           <a:xfrm>
-            <a:off x="4674240" y="1203480"/>
-            <a:ext cx="4015800" cy="2982960"/>
+            <a:off x="2514960" y="1203480"/>
+            <a:ext cx="1959480" cy="1422360"/>
           </a:xfrm>
           <a:prstGeom prst="rect">
             <a:avLst/>
@@ -1194,7 +1194,7 @@
         </p:spPr>
         <p:txBody>
           <a:bodyPr lIns="0" rIns="0" tIns="0" bIns="0" anchor="t">
-            <a:normAutofit/>
+            <a:normAutofit fontScale="87491" lnSpcReduction="10000"/>
           </a:bodyPr>
           <a:p>
             <a:pPr indent="0">
@@ -1226,7 +1226,7 @@
         <p:txBody>
           <a:bodyPr/>
           <a:p>
-            <a:fld id="{0BAA5187-DCC5-4EE9-875B-3855C3B12B2E}" type="slidenum">
+            <a:fld id="{B7CDCF00-A964-4184-BD6D-EDF9293112E8}" type="slidenum">
               <a:t>&lt;#&gt;</a:t>
             </a:fld>
           </a:p>
@@ -1267,7 +1267,7 @@
         <p:spPr>
           <a:xfrm>
             <a:off x="311760" y="744480"/>
-            <a:ext cx="8519760" cy="2052000"/>
+            <a:ext cx="8519400" cy="2051640"/>
           </a:xfrm>
           <a:prstGeom prst="rect">
             <a:avLst/>
@@ -1308,7 +1308,7 @@
         <p:txBody>
           <a:bodyPr/>
           <a:p>
-            <a:fld id="{3BFA3297-0E0C-4FCE-BA34-38352C5232DB}" type="slidenum">
+            <a:fld id="{CEDDB060-7310-4A9C-A380-3CCBD2A7C21B}" type="slidenum">
               <a:t>&lt;#&gt;</a:t>
             </a:fld>
           </a:p>
@@ -1349,7 +1349,7 @@
         <p:spPr>
           <a:xfrm>
             <a:off x="311760" y="744480"/>
-            <a:ext cx="8519760" cy="9513000"/>
+            <a:ext cx="8519400" cy="9511560"/>
           </a:xfrm>
           <a:prstGeom prst="rect">
             <a:avLst/>
@@ -1388,7 +1388,7 @@
         <p:txBody>
           <a:bodyPr/>
           <a:p>
-            <a:fld id="{EE7E7AC6-5E02-417B-9750-82DD32616559}" type="slidenum">
+            <a:fld id="{36463489-5FDA-4598-8C12-BCAC5CBD5B69}" type="slidenum">
               <a:t>&lt;#&gt;</a:t>
             </a:fld>
           </a:p>
@@ -1429,7 +1429,7 @@
         <p:spPr>
           <a:xfrm>
             <a:off x="311760" y="744480"/>
-            <a:ext cx="8519760" cy="2052000"/>
+            <a:ext cx="8519400" cy="2051640"/>
           </a:xfrm>
           <a:prstGeom prst="rect">
             <a:avLst/>
@@ -1469,7 +1469,7 @@
         <p:spPr>
           <a:xfrm>
             <a:off x="457200" y="1203480"/>
-            <a:ext cx="4015800" cy="1422720"/>
+            <a:ext cx="1959480" cy="678240"/>
           </a:xfrm>
           <a:prstGeom prst="rect">
             <a:avLst/>
@@ -1481,7 +1481,7 @@
         </p:spPr>
         <p:txBody>
           <a:bodyPr lIns="0" rIns="0" tIns="0" bIns="0" anchor="t">
-            <a:normAutofit/>
+            <a:normAutofit fontScale="71867"/>
           </a:bodyPr>
           <a:p>
             <a:pPr indent="0">
@@ -1511,8 +1511,8 @@
         </p:nvSpPr>
         <p:spPr>
           <a:xfrm>
-            <a:off x="4674240" y="1203480"/>
-            <a:ext cx="4015800" cy="2982960"/>
+            <a:off x="2514960" y="1203480"/>
+            <a:ext cx="1959480" cy="1422360"/>
           </a:xfrm>
           <a:prstGeom prst="rect">
             <a:avLst/>
@@ -1524,7 +1524,7 @@
         </p:spPr>
         <p:txBody>
           <a:bodyPr lIns="0" rIns="0" tIns="0" bIns="0" anchor="t">
-            <a:normAutofit/>
+            <a:normAutofit fontScale="87491" lnSpcReduction="10000"/>
           </a:bodyPr>
           <a:p>
             <a:pPr indent="0">
@@ -1554,8 +1554,8 @@
         </p:nvSpPr>
         <p:spPr>
           <a:xfrm>
-            <a:off x="457200" y="2761920"/>
-            <a:ext cx="4015800" cy="1422720"/>
+            <a:off x="457200" y="1946520"/>
+            <a:ext cx="1959480" cy="678240"/>
           </a:xfrm>
           <a:prstGeom prst="rect">
             <a:avLst/>
@@ -1567,7 +1567,7 @@
         </p:spPr>
         <p:txBody>
           <a:bodyPr lIns="0" rIns="0" tIns="0" bIns="0" anchor="t">
-            <a:normAutofit/>
+            <a:normAutofit fontScale="71867"/>
           </a:bodyPr>
           <a:p>
             <a:pPr indent="0">
@@ -1599,7 +1599,7 @@
         <p:txBody>
           <a:bodyPr/>
           <a:p>
-            <a:fld id="{A38479AC-88CE-489D-B927-B98324999D6A}" type="slidenum">
+            <a:fld id="{148E9886-B7F4-4248-AFAE-C78CB04EAE61}" type="slidenum">
               <a:t>&lt;#&gt;</a:t>
             </a:fld>
           </a:p>
@@ -1640,7 +1640,7 @@
         <p:spPr>
           <a:xfrm>
             <a:off x="311760" y="744480"/>
-            <a:ext cx="8519760" cy="2052000"/>
+            <a:ext cx="8519400" cy="2051640"/>
           </a:xfrm>
           <a:prstGeom prst="rect">
             <a:avLst/>
@@ -1680,7 +1680,7 @@
         <p:spPr>
           <a:xfrm>
             <a:off x="457200" y="1203480"/>
-            <a:ext cx="4015800" cy="2982960"/>
+            <a:ext cx="1959480" cy="1422360"/>
           </a:xfrm>
           <a:prstGeom prst="rect">
             <a:avLst/>
@@ -1692,7 +1692,7 @@
         </p:spPr>
         <p:txBody>
           <a:bodyPr lIns="0" rIns="0" tIns="0" bIns="0" anchor="t">
-            <a:normAutofit/>
+            <a:normAutofit fontScale="87491" lnSpcReduction="10000"/>
           </a:bodyPr>
           <a:p>
             <a:pPr indent="0">
@@ -1722,8 +1722,8 @@
         </p:nvSpPr>
         <p:spPr>
           <a:xfrm>
-            <a:off x="4674240" y="1203480"/>
-            <a:ext cx="4015800" cy="1422720"/>
+            <a:off x="2514960" y="1203480"/>
+            <a:ext cx="1959480" cy="678240"/>
           </a:xfrm>
           <a:prstGeom prst="rect">
             <a:avLst/>
@@ -1735,7 +1735,7 @@
         </p:spPr>
         <p:txBody>
           <a:bodyPr lIns="0" rIns="0" tIns="0" bIns="0" anchor="t">
-            <a:normAutofit/>
+            <a:normAutofit fontScale="71867"/>
           </a:bodyPr>
           <a:p>
             <a:pPr indent="0">
@@ -1765,8 +1765,8 @@
         </p:nvSpPr>
         <p:spPr>
           <a:xfrm>
-            <a:off x="4674240" y="2761920"/>
-            <a:ext cx="4015800" cy="1422720"/>
+            <a:off x="2514960" y="1946520"/>
+            <a:ext cx="1959480" cy="678240"/>
           </a:xfrm>
           <a:prstGeom prst="rect">
             <a:avLst/>
@@ -1778,7 +1778,7 @@
         </p:spPr>
         <p:txBody>
           <a:bodyPr lIns="0" rIns="0" tIns="0" bIns="0" anchor="t">
-            <a:normAutofit/>
+            <a:normAutofit fontScale="71867"/>
           </a:bodyPr>
           <a:p>
             <a:pPr indent="0">
@@ -1810,7 +1810,7 @@
         <p:txBody>
           <a:bodyPr/>
           <a:p>
-            <a:fld id="{0BA4696F-19BF-4D66-B007-CE3BF47A3470}" type="slidenum">
+            <a:fld id="{73CDA3B4-9A5F-4A60-928C-DD2CC0A611AA}" type="slidenum">
               <a:t>&lt;#&gt;</a:t>
             </a:fld>
           </a:p>
@@ -1851,7 +1851,7 @@
         <p:spPr>
           <a:xfrm>
             <a:off x="311760" y="744480"/>
-            <a:ext cx="8519760" cy="2052000"/>
+            <a:ext cx="8519400" cy="2051640"/>
           </a:xfrm>
           <a:prstGeom prst="rect">
             <a:avLst/>
@@ -1891,7 +1891,7 @@
         <p:spPr>
           <a:xfrm>
             <a:off x="457200" y="1203480"/>
-            <a:ext cx="4015800" cy="1422720"/>
+            <a:ext cx="1959480" cy="678240"/>
           </a:xfrm>
           <a:prstGeom prst="rect">
             <a:avLst/>
@@ -1903,7 +1903,7 @@
         </p:spPr>
         <p:txBody>
           <a:bodyPr lIns="0" rIns="0" tIns="0" bIns="0" anchor="t">
-            <a:normAutofit/>
+            <a:normAutofit fontScale="71867"/>
           </a:bodyPr>
           <a:p>
             <a:pPr indent="0">
@@ -1933,8 +1933,8 @@
         </p:nvSpPr>
         <p:spPr>
           <a:xfrm>
-            <a:off x="4674240" y="1203480"/>
-            <a:ext cx="4015800" cy="1422720"/>
+            <a:off x="2514960" y="1203480"/>
+            <a:ext cx="1959480" cy="678240"/>
           </a:xfrm>
           <a:prstGeom prst="rect">
             <a:avLst/>
@@ -1946,7 +1946,7 @@
         </p:spPr>
         <p:txBody>
           <a:bodyPr lIns="0" rIns="0" tIns="0" bIns="0" anchor="t">
-            <a:normAutofit/>
+            <a:normAutofit fontScale="71867"/>
           </a:bodyPr>
           <a:p>
             <a:pPr indent="0">
@@ -1976,8 +1976,8 @@
         </p:nvSpPr>
         <p:spPr>
           <a:xfrm>
-            <a:off x="457200" y="2761920"/>
-            <a:ext cx="8229240" cy="1422720"/>
+            <a:off x="457200" y="1946520"/>
+            <a:ext cx="4015440" cy="678240"/>
           </a:xfrm>
           <a:prstGeom prst="rect">
             <a:avLst/>
@@ -1989,7 +1989,7 @@
         </p:spPr>
         <p:txBody>
           <a:bodyPr lIns="0" rIns="0" tIns="0" bIns="0" anchor="t">
-            <a:normAutofit/>
+            <a:normAutofit fontScale="87491" lnSpcReduction="20000"/>
           </a:bodyPr>
           <a:p>
             <a:pPr indent="0">
@@ -2021,7 +2021,7 @@
         <p:txBody>
           <a:bodyPr/>
           <a:p>
-            <a:fld id="{7CAE3982-BCFD-4CA8-BEC9-DFFB4E080028}" type="slidenum">
+            <a:fld id="{37E04385-EEE1-438F-BD0F-A4FB22613138}" type="slidenum">
               <a:t>&lt;#&gt;</a:t>
             </a:fld>
           </a:p>
@@ -2069,7 +2069,7 @@
         <p:spPr>
           <a:xfrm>
             <a:off x="311760" y="744480"/>
-            <a:ext cx="8519760" cy="2052000"/>
+            <a:ext cx="8519400" cy="2051640"/>
           </a:xfrm>
           <a:prstGeom prst="rect">
             <a:avLst/>
@@ -2793,7 +2793,7 @@
         <p:spPr>
           <a:xfrm>
             <a:off x="8472600" y="4663080"/>
-            <a:ext cx="547920" cy="392760"/>
+            <a:ext cx="547560" cy="392400"/>
           </a:xfrm>
           <a:prstGeom prst="rect">
             <a:avLst/>
@@ -2835,7 +2835,7 @@
                 <a:tab algn="l" pos="0"/>
               </a:tabLst>
             </a:pPr>
-            <a:fld id="{383A2251-EC32-4A25-A911-4B4B48A68B59}" type="slidenum">
+            <a:fld id="{78B3A2F1-6794-487C-87EE-E0C9A4637C0C}" type="slidenum">
               <a:rPr b="0" lang="pl" sz="1000" spc="-1" strike="noStrike">
                 <a:solidFill>
                   <a:schemeClr val="dk2"/>
@@ -2905,7 +2905,7 @@
         <p:spPr>
           <a:xfrm>
             <a:off x="3116880" y="167760"/>
-            <a:ext cx="2909520" cy="1475640"/>
+            <a:ext cx="2909160" cy="1475280"/>
           </a:xfrm>
           <a:prstGeom prst="rect">
             <a:avLst/>
@@ -2924,7 +2924,7 @@
         <p:spPr>
           <a:xfrm>
             <a:off x="2452680" y="2070720"/>
-            <a:ext cx="4237920" cy="1348200"/>
+            <a:ext cx="4237560" cy="1348200"/>
           </a:xfrm>
           <a:prstGeom prst="rect">
             <a:avLst/>
@@ -3007,7 +3007,7 @@
         <p:spPr>
           <a:xfrm>
             <a:off x="8085960" y="4593240"/>
-            <a:ext cx="817200" cy="412200"/>
+            <a:ext cx="816840" cy="411840"/>
           </a:xfrm>
           <a:prstGeom prst="rect">
             <a:avLst/>
@@ -3064,7 +3064,7 @@
         <p:spPr>
           <a:xfrm>
             <a:off x="540000" y="3867120"/>
-            <a:ext cx="3060000" cy="725400"/>
+            <a:ext cx="3059640" cy="725040"/>
           </a:xfrm>
           <a:prstGeom prst="rect">
             <a:avLst/>
@@ -3134,7 +3134,7 @@
         <p:spPr>
           <a:xfrm>
             <a:off x="6304680" y="3867120"/>
-            <a:ext cx="2189160" cy="725400"/>
+            <a:ext cx="2188800" cy="725040"/>
           </a:xfrm>
           <a:prstGeom prst="rect">
             <a:avLst/>
@@ -3204,7 +3204,7 @@
         <p:spPr>
           <a:xfrm>
             <a:off x="3169440" y="1376640"/>
-            <a:ext cx="2804400" cy="266760"/>
+            <a:ext cx="2804040" cy="266400"/>
           </a:xfrm>
           <a:prstGeom prst="rect">
             <a:avLst/>
@@ -3294,7 +3294,7 @@
         <p:spPr>
           <a:xfrm>
             <a:off x="8085960" y="4593240"/>
-            <a:ext cx="817200" cy="412200"/>
+            <a:ext cx="816840" cy="411840"/>
           </a:xfrm>
           <a:prstGeom prst="rect">
             <a:avLst/>
@@ -3351,7 +3351,7 @@
         <p:spPr>
           <a:xfrm>
             <a:off x="0" y="416520"/>
-            <a:ext cx="2995200" cy="522720"/>
+            <a:ext cx="2994840" cy="522360"/>
           </a:xfrm>
           <a:prstGeom prst="homePlate">
             <a:avLst>
@@ -3415,7 +3415,7 @@
         <p:spPr>
           <a:xfrm>
             <a:off x="4320000" y="4320000"/>
-            <a:ext cx="3779640" cy="111960"/>
+            <a:ext cx="3779280" cy="111600"/>
           </a:xfrm>
           <a:prstGeom prst="rect">
             <a:avLst/>
@@ -3472,7 +3472,7 @@
         <p:spPr>
           <a:xfrm>
             <a:off x="388800" y="1620000"/>
-            <a:ext cx="3570840" cy="2972520"/>
+            <a:ext cx="3570480" cy="2972160"/>
           </a:xfrm>
           <a:prstGeom prst="rect">
             <a:avLst/>
@@ -3747,7 +3747,7 @@
         <p:spPr>
           <a:xfrm>
             <a:off x="3960000" y="1156680"/>
-            <a:ext cx="4679640" cy="2802960"/>
+            <a:ext cx="4679280" cy="2802600"/>
           </a:xfrm>
           <a:prstGeom prst="rect">
             <a:avLst/>
@@ -3796,7 +3796,7 @@
         <p:spPr>
           <a:xfrm>
             <a:off x="8085960" y="4593240"/>
-            <a:ext cx="817200" cy="412200"/>
+            <a:ext cx="816840" cy="411840"/>
           </a:xfrm>
           <a:prstGeom prst="rect">
             <a:avLst/>
@@ -3853,7 +3853,7 @@
         <p:spPr>
           <a:xfrm>
             <a:off x="0" y="416520"/>
-            <a:ext cx="2995200" cy="522720"/>
+            <a:ext cx="2994840" cy="522360"/>
           </a:xfrm>
           <a:prstGeom prst="homePlate">
             <a:avLst>
@@ -3917,7 +3917,7 @@
         <p:spPr>
           <a:xfrm>
             <a:off x="2340000" y="1427040"/>
-            <a:ext cx="5400000" cy="3252960"/>
+            <a:ext cx="5399640" cy="3252600"/>
           </a:xfrm>
           <a:prstGeom prst="rect">
             <a:avLst/>
@@ -4174,7 +4174,7 @@
         <p:spPr>
           <a:xfrm>
             <a:off x="8085960" y="4593240"/>
-            <a:ext cx="817200" cy="412200"/>
+            <a:ext cx="816840" cy="411840"/>
           </a:xfrm>
           <a:prstGeom prst="rect">
             <a:avLst/>
@@ -4231,7 +4231,7 @@
         <p:spPr>
           <a:xfrm>
             <a:off x="0" y="416520"/>
-            <a:ext cx="2995200" cy="522720"/>
+            <a:ext cx="2994840" cy="522360"/>
           </a:xfrm>
           <a:prstGeom prst="homePlate">
             <a:avLst>
@@ -4295,7 +4295,7 @@
         <p:spPr>
           <a:xfrm>
             <a:off x="540000" y="1620000"/>
-            <a:ext cx="3471480" cy="2192760"/>
+            <a:ext cx="3471120" cy="2192400"/>
           </a:xfrm>
           <a:prstGeom prst="rect">
             <a:avLst/>
@@ -4549,7 +4549,7 @@
         <p:spPr>
           <a:xfrm>
             <a:off x="4500000" y="1620000"/>
-            <a:ext cx="3375000" cy="3216960"/>
+            <a:ext cx="3374640" cy="3216600"/>
           </a:xfrm>
           <a:prstGeom prst="rect">
             <a:avLst/>
@@ -4730,15 +4730,10 @@
             </a:endParaRPr>
           </a:p>
           <a:p>
-            <a:pPr marL="457200" indent="-317520">
+            <a:pPr>
               <a:lnSpc>
                 <a:spcPct val="115000"/>
               </a:lnSpc>
-              <a:buClr>
-                <a:srgbClr val="000000"/>
-              </a:buClr>
-              <a:buFont typeface="Arial"/>
-              <a:buChar char="●"/>
               <a:tabLst>
                 <a:tab algn="l" pos="0"/>
               </a:tabLst>
@@ -4807,7 +4802,7 @@
         <p:spPr>
           <a:xfrm>
             <a:off x="8085960" y="4593240"/>
-            <a:ext cx="817200" cy="412200"/>
+            <a:ext cx="816840" cy="411840"/>
           </a:xfrm>
           <a:prstGeom prst="rect">
             <a:avLst/>
@@ -4864,7 +4859,7 @@
         <p:spPr>
           <a:xfrm>
             <a:off x="0" y="416520"/>
-            <a:ext cx="2995200" cy="522720"/>
+            <a:ext cx="2994840" cy="522360"/>
           </a:xfrm>
           <a:prstGeom prst="homePlate">
             <a:avLst>
@@ -5476,7 +5471,7 @@
         <p:spPr>
           <a:xfrm>
             <a:off x="8085960" y="4593240"/>
-            <a:ext cx="817200" cy="412200"/>
+            <a:ext cx="816840" cy="411840"/>
           </a:xfrm>
           <a:prstGeom prst="rect">
             <a:avLst/>
@@ -5533,7 +5528,7 @@
         <p:spPr>
           <a:xfrm>
             <a:off x="0" y="416520"/>
-            <a:ext cx="2995200" cy="522720"/>
+            <a:ext cx="2994840" cy="522360"/>
           </a:xfrm>
           <a:prstGeom prst="homePlate">
             <a:avLst>
@@ -5601,7 +5596,7 @@
         <p:spPr>
           <a:xfrm>
             <a:off x="360000" y="1260000"/>
-            <a:ext cx="1619640" cy="3599640"/>
+            <a:ext cx="1619280" cy="3599280"/>
           </a:xfrm>
           <a:prstGeom prst="rect">
             <a:avLst/>
@@ -5624,7 +5619,7 @@
         <p:spPr>
           <a:xfrm>
             <a:off x="2008800" y="1260000"/>
-            <a:ext cx="1643760" cy="3599640"/>
+            <a:ext cx="1643400" cy="3599280"/>
           </a:xfrm>
           <a:prstGeom prst="rect">
             <a:avLst/>
@@ -5647,7 +5642,7 @@
         <p:spPr>
           <a:xfrm>
             <a:off x="3686040" y="1260000"/>
-            <a:ext cx="1636200" cy="3599640"/>
+            <a:ext cx="1635840" cy="3599280"/>
           </a:xfrm>
           <a:prstGeom prst="rect">
             <a:avLst/>
@@ -5670,7 +5665,7 @@
         <p:spPr>
           <a:xfrm>
             <a:off x="5380920" y="1260000"/>
-            <a:ext cx="1638720" cy="3607920"/>
+            <a:ext cx="1638360" cy="3607560"/>
           </a:xfrm>
           <a:prstGeom prst="rect">
             <a:avLst/>
@@ -5693,7 +5688,7 @@
         <p:spPr>
           <a:xfrm>
             <a:off x="7065360" y="1260000"/>
-            <a:ext cx="1656360" cy="3599640"/>
+            <a:ext cx="1656000" cy="3599280"/>
           </a:xfrm>
           <a:prstGeom prst="rect">
             <a:avLst/>
@@ -5742,7 +5737,7 @@
         <p:spPr>
           <a:xfrm>
             <a:off x="8085960" y="4593240"/>
-            <a:ext cx="817200" cy="412200"/>
+            <a:ext cx="816840" cy="411840"/>
           </a:xfrm>
           <a:prstGeom prst="rect">
             <a:avLst/>
@@ -5799,7 +5794,7 @@
         <p:spPr>
           <a:xfrm>
             <a:off x="0" y="416520"/>
-            <a:ext cx="2995200" cy="522720"/>
+            <a:ext cx="2994840" cy="522360"/>
           </a:xfrm>
           <a:prstGeom prst="homePlate">
             <a:avLst>
@@ -5863,7 +5858,7 @@
         <p:spPr>
           <a:xfrm>
             <a:off x="1440000" y="1710000"/>
-            <a:ext cx="6119640" cy="2706120"/>
+            <a:ext cx="6119280" cy="2705760"/>
           </a:xfrm>
           <a:prstGeom prst="rect">
             <a:avLst/>
